--- a/Applicazioni_Service_Oriented.pptx
+++ b/Applicazioni_Service_Oriented.pptx
@@ -8,10 +8,15 @@
     <p:sldId id="256" r:id="rId2"/>
     <p:sldId id="257" r:id="rId3"/>
     <p:sldId id="260" r:id="rId4"/>
-    <p:sldId id="261" r:id="rId5"/>
-    <p:sldId id="259" r:id="rId6"/>
-    <p:sldId id="258" r:id="rId7"/>
-    <p:sldId id="263" r:id="rId8"/>
+    <p:sldId id="265" r:id="rId5"/>
+    <p:sldId id="264" r:id="rId6"/>
+    <p:sldId id="261" r:id="rId7"/>
+    <p:sldId id="259" r:id="rId8"/>
+    <p:sldId id="266" r:id="rId9"/>
+    <p:sldId id="267" r:id="rId10"/>
+    <p:sldId id="268" r:id="rId11"/>
+    <p:sldId id="258" r:id="rId12"/>
+    <p:sldId id="263" r:id="rId13"/>
   </p:sldIdLst>
   <p:sldSz cx="12192000" cy="6858000"/>
   <p:notesSz cx="6858000" cy="9144000"/>
@@ -3053,6 +3058,335 @@
 </p:sld>
 </file>
 
+<file path=ppt/slides/slide10.xml><?xml version="1.0" encoding="utf-8"?>
+<p:sld xmlns:a="http://schemas.openxmlformats.org/drawingml/2006/main" xmlns:r="http://schemas.openxmlformats.org/officeDocument/2006/relationships" xmlns:p="http://schemas.openxmlformats.org/presentationml/2006/main">
+  <p:cSld>
+    <p:spTree>
+      <p:nvGrpSpPr>
+        <p:cNvPr id="1" name=""/>
+        <p:cNvGrpSpPr/>
+        <p:nvPr/>
+      </p:nvGrpSpPr>
+      <p:grpSpPr>
+        <a:xfrm>
+          <a:off x="0" y="0"/>
+          <a:ext cx="0" cy="0"/>
+          <a:chOff x="0" y="0"/>
+          <a:chExt cx="0" cy="0"/>
+        </a:xfrm>
+      </p:grpSpPr>
+      <p:sp>
+        <p:nvSpPr>
+          <p:cNvPr id="2" name="Titolo 1"/>
+          <p:cNvSpPr>
+            <a:spLocks noGrp="1"/>
+          </p:cNvSpPr>
+          <p:nvPr>
+            <p:ph type="title"/>
+          </p:nvPr>
+        </p:nvSpPr>
+        <p:spPr/>
+        <p:txBody>
+          <a:bodyPr/>
+          <a:lstStyle/>
+          <a:p>
+            <a:r>
+              <a:rPr lang="it-CH" dirty="0" smtClean="0"/>
+              <a:t>Problematiche</a:t>
+            </a:r>
+            <a:endParaRPr lang="it-CH" dirty="0"/>
+          </a:p>
+        </p:txBody>
+      </p:sp>
+      <p:sp>
+        <p:nvSpPr>
+          <p:cNvPr id="3" name="Segnaposto contenuto 2"/>
+          <p:cNvSpPr>
+            <a:spLocks noGrp="1"/>
+          </p:cNvSpPr>
+          <p:nvPr>
+            <p:ph idx="1"/>
+          </p:nvPr>
+        </p:nvSpPr>
+        <p:spPr/>
+        <p:txBody>
+          <a:bodyPr/>
+          <a:lstStyle/>
+          <a:p>
+            <a:r>
+              <a:rPr lang="it-CH" dirty="0" smtClean="0"/>
+              <a:t>Parse file</a:t>
+            </a:r>
+          </a:p>
+          <a:p>
+            <a:pPr lvl="1"/>
+            <a:r>
+              <a:rPr lang="it-CH" dirty="0" smtClean="0"/>
+              <a:t>Risolto con </a:t>
+            </a:r>
+            <a:r>
+              <a:rPr lang="it-CH" dirty="0" err="1" smtClean="0"/>
+              <a:t>parser</a:t>
+            </a:r>
+            <a:r>
+              <a:rPr lang="it-CH" dirty="0" smtClean="0"/>
+              <a:t> custom</a:t>
+            </a:r>
+          </a:p>
+          <a:p>
+            <a:endParaRPr lang="it-CH" dirty="0" smtClean="0"/>
+          </a:p>
+          <a:p>
+            <a:r>
+              <a:rPr lang="it-CH" dirty="0" smtClean="0"/>
+              <a:t>Colori variabili</a:t>
+            </a:r>
+          </a:p>
+          <a:p>
+            <a:pPr lvl="1"/>
+            <a:r>
+              <a:rPr lang="it-CH" dirty="0" smtClean="0"/>
+              <a:t>Risolto generando colori casuali</a:t>
+            </a:r>
+          </a:p>
+          <a:p>
+            <a:pPr marL="457200" lvl="1" indent="0">
+              <a:buNone/>
+            </a:pPr>
+            <a:endParaRPr lang="it-CH" dirty="0"/>
+          </a:p>
+          <a:p>
+            <a:r>
+              <a:rPr lang="it-CH" dirty="0" smtClean="0"/>
+              <a:t>Richieste asincrone prima del plot</a:t>
+            </a:r>
+          </a:p>
+          <a:p>
+            <a:pPr lvl="1"/>
+            <a:r>
+              <a:rPr lang="it-CH" dirty="0" smtClean="0"/>
+              <a:t>Risolto con file </a:t>
+            </a:r>
+            <a:r>
+              <a:rPr lang="it-CH" dirty="0" err="1" smtClean="0"/>
+              <a:t>MyRequestsCompleted</a:t>
+            </a:r>
+            <a:endParaRPr lang="it-CH" dirty="0"/>
+          </a:p>
+        </p:txBody>
+      </p:sp>
+    </p:spTree>
+    <p:extLst>
+      <p:ext uri="{BB962C8B-B14F-4D97-AF65-F5344CB8AC3E}">
+        <p14:creationId xmlns:p14="http://schemas.microsoft.com/office/powerpoint/2010/main" val="3049137255"/>
+      </p:ext>
+    </p:extLst>
+  </p:cSld>
+  <p:clrMapOvr>
+    <a:masterClrMapping/>
+  </p:clrMapOvr>
+  <p:timing>
+    <p:tnLst>
+      <p:par>
+        <p:cTn id="1" dur="indefinite" restart="never" nodeType="tmRoot"/>
+      </p:par>
+    </p:tnLst>
+  </p:timing>
+</p:sld>
+</file>
+
+<file path=ppt/slides/slide11.xml><?xml version="1.0" encoding="utf-8"?>
+<p:sld xmlns:a="http://schemas.openxmlformats.org/drawingml/2006/main" xmlns:r="http://schemas.openxmlformats.org/officeDocument/2006/relationships" xmlns:p="http://schemas.openxmlformats.org/presentationml/2006/main">
+  <p:cSld>
+    <p:spTree>
+      <p:nvGrpSpPr>
+        <p:cNvPr id="1" name=""/>
+        <p:cNvGrpSpPr/>
+        <p:nvPr/>
+      </p:nvGrpSpPr>
+      <p:grpSpPr>
+        <a:xfrm>
+          <a:off x="0" y="0"/>
+          <a:ext cx="0" cy="0"/>
+          <a:chOff x="0" y="0"/>
+          <a:chExt cx="0" cy="0"/>
+        </a:xfrm>
+      </p:grpSpPr>
+      <p:sp>
+        <p:nvSpPr>
+          <p:cNvPr id="2" name="Titolo 1"/>
+          <p:cNvSpPr>
+            <a:spLocks noGrp="1"/>
+          </p:cNvSpPr>
+          <p:nvPr>
+            <p:ph type="title"/>
+          </p:nvPr>
+        </p:nvSpPr>
+        <p:spPr/>
+        <p:txBody>
+          <a:bodyPr/>
+          <a:lstStyle/>
+          <a:p>
+            <a:r>
+              <a:rPr lang="it-CH" dirty="0" smtClean="0"/>
+              <a:t>Fonti</a:t>
+            </a:r>
+            <a:endParaRPr lang="it-CH" dirty="0"/>
+          </a:p>
+        </p:txBody>
+      </p:sp>
+      <p:sp>
+        <p:nvSpPr>
+          <p:cNvPr id="3" name="Segnaposto contenuto 2"/>
+          <p:cNvSpPr>
+            <a:spLocks noGrp="1"/>
+          </p:cNvSpPr>
+          <p:nvPr>
+            <p:ph idx="1"/>
+          </p:nvPr>
+        </p:nvSpPr>
+        <p:spPr/>
+        <p:txBody>
+          <a:bodyPr/>
+          <a:lstStyle/>
+          <a:p>
+            <a:r>
+              <a:rPr lang="it-CH" dirty="0">
+                <a:hlinkClick r:id="rId2"/>
+              </a:rPr>
+              <a:t>https://</a:t>
+            </a:r>
+            <a:r>
+              <a:rPr lang="it-CH" dirty="0" smtClean="0">
+                <a:hlinkClick r:id="rId2"/>
+              </a:rPr>
+              <a:t>www.kaggle.com/thec03u5/fifa-18-demo-player-dataset</a:t>
+            </a:r>
+            <a:endParaRPr lang="it-CH" dirty="0" smtClean="0"/>
+          </a:p>
+          <a:p>
+            <a:r>
+              <a:rPr lang="it-CH" dirty="0">
+                <a:hlinkClick r:id="rId3"/>
+              </a:rPr>
+              <a:t>http://www.chartjs.org</a:t>
+            </a:r>
+            <a:r>
+              <a:rPr lang="it-CH" dirty="0" smtClean="0">
+                <a:hlinkClick r:id="rId3"/>
+              </a:rPr>
+              <a:t>/</a:t>
+            </a:r>
+            <a:endParaRPr lang="it-CH" dirty="0" smtClean="0"/>
+          </a:p>
+          <a:p>
+            <a:r>
+              <a:rPr lang="it-CH" dirty="0">
+                <a:hlinkClick r:id="rId4"/>
+              </a:rPr>
+              <a:t>https://</a:t>
+            </a:r>
+            <a:r>
+              <a:rPr lang="it-CH" dirty="0" smtClean="0">
+                <a:hlinkClick r:id="rId4"/>
+              </a:rPr>
+              <a:t>commons.apache.org/proper/commons-csv/apidocs/org/apache/commons/csv/CSVRecord.html</a:t>
+            </a:r>
+            <a:endParaRPr lang="it-CH" dirty="0" smtClean="0"/>
+          </a:p>
+          <a:p>
+            <a:endParaRPr lang="it-CH" dirty="0"/>
+          </a:p>
+        </p:txBody>
+      </p:sp>
+    </p:spTree>
+    <p:extLst>
+      <p:ext uri="{BB962C8B-B14F-4D97-AF65-F5344CB8AC3E}">
+        <p14:creationId xmlns:p14="http://schemas.microsoft.com/office/powerpoint/2010/main" val="207876300"/>
+      </p:ext>
+    </p:extLst>
+  </p:cSld>
+  <p:clrMapOvr>
+    <a:masterClrMapping/>
+  </p:clrMapOvr>
+  <p:timing>
+    <p:tnLst>
+      <p:par>
+        <p:cTn id="1" dur="indefinite" restart="never" nodeType="tmRoot"/>
+      </p:par>
+    </p:tnLst>
+  </p:timing>
+</p:sld>
+</file>
+
+<file path=ppt/slides/slide12.xml><?xml version="1.0" encoding="utf-8"?>
+<p:sld xmlns:a="http://schemas.openxmlformats.org/drawingml/2006/main" xmlns:r="http://schemas.openxmlformats.org/officeDocument/2006/relationships" xmlns:p="http://schemas.openxmlformats.org/presentationml/2006/main">
+  <p:cSld>
+    <p:spTree>
+      <p:nvGrpSpPr>
+        <p:cNvPr id="1" name=""/>
+        <p:cNvGrpSpPr/>
+        <p:nvPr/>
+      </p:nvGrpSpPr>
+      <p:grpSpPr>
+        <a:xfrm>
+          <a:off x="0" y="0"/>
+          <a:ext cx="0" cy="0"/>
+          <a:chOff x="0" y="0"/>
+          <a:chExt cx="0" cy="0"/>
+        </a:xfrm>
+      </p:grpSpPr>
+      <p:sp>
+        <p:nvSpPr>
+          <p:cNvPr id="2" name="Titolo 1"/>
+          <p:cNvSpPr>
+            <a:spLocks noGrp="1"/>
+          </p:cNvSpPr>
+          <p:nvPr>
+            <p:ph type="title"/>
+          </p:nvPr>
+        </p:nvSpPr>
+        <p:spPr/>
+        <p:txBody>
+          <a:bodyPr/>
+          <a:lstStyle/>
+          <a:p>
+            <a:endParaRPr lang="it-CH"/>
+          </a:p>
+        </p:txBody>
+      </p:sp>
+      <p:sp>
+        <p:nvSpPr>
+          <p:cNvPr id="3" name="Segnaposto contenuto 2"/>
+          <p:cNvSpPr>
+            <a:spLocks noGrp="1"/>
+          </p:cNvSpPr>
+          <p:nvPr>
+            <p:ph idx="1"/>
+          </p:nvPr>
+        </p:nvSpPr>
+        <p:spPr/>
+        <p:txBody>
+          <a:bodyPr/>
+          <a:lstStyle/>
+          <a:p>
+            <a:endParaRPr lang="it-CH"/>
+          </a:p>
+        </p:txBody>
+      </p:sp>
+    </p:spTree>
+    <p:extLst>
+      <p:ext uri="{BB962C8B-B14F-4D97-AF65-F5344CB8AC3E}">
+        <p14:creationId xmlns:p14="http://schemas.microsoft.com/office/powerpoint/2010/main" val="3691508627"/>
+      </p:ext>
+    </p:extLst>
+  </p:cSld>
+  <p:clrMapOvr>
+    <a:masterClrMapping/>
+  </p:clrMapOvr>
+</p:sld>
+</file>
+
 <file path=ppt/slides/slide2.xml><?xml version="1.0" encoding="utf-8"?>
 <p:sld xmlns:a="http://schemas.openxmlformats.org/drawingml/2006/main" xmlns:r="http://schemas.openxmlformats.org/officeDocument/2006/relationships" xmlns:p="http://schemas.openxmlformats.org/presentationml/2006/main">
   <p:cSld>
@@ -3116,7 +3450,7 @@
           <a:p>
             <a:r>
               <a:rPr lang="it-CH" dirty="0" smtClean="0"/>
-              <a:t>Client – side</a:t>
+              <a:t>Client - side</a:t>
             </a:r>
           </a:p>
           <a:p>
@@ -3175,192 +3509,110 @@
           <a:p>
             <a:r>
               <a:rPr lang="it-CH" dirty="0" smtClean="0"/>
-              <a:t>Server - parse .</a:t>
+              <a:t>Server – lettura file</a:t>
+            </a:r>
+            <a:endParaRPr lang="it-CH" dirty="0"/>
+          </a:p>
+        </p:txBody>
+      </p:sp>
+      <p:sp>
+        <p:nvSpPr>
+          <p:cNvPr id="3" name="Segnaposto contenuto 2"/>
+          <p:cNvSpPr>
+            <a:spLocks noGrp="1"/>
+          </p:cNvSpPr>
+          <p:nvPr>
+            <p:ph idx="1"/>
+          </p:nvPr>
+        </p:nvSpPr>
+        <p:spPr/>
+        <p:txBody>
+          <a:bodyPr/>
+          <a:lstStyle/>
+          <a:p>
+            <a:r>
+              <a:rPr lang="it-CH" dirty="0" smtClean="0"/>
+              <a:t>Libreria 						«</a:t>
             </a:r>
             <a:r>
               <a:rPr lang="it-CH" dirty="0" err="1" smtClean="0"/>
-              <a:t>csv</a:t>
-            </a:r>
+              <a:t>CSVRecord</a:t>
+            </a:r>
+            <a:r>
+              <a:rPr lang="it-CH" dirty="0" smtClean="0"/>
+              <a:t>»</a:t>
+            </a:r>
+          </a:p>
+          <a:p>
+            <a:endParaRPr lang="it-CH" dirty="0" smtClean="0"/>
+          </a:p>
+          <a:p>
+            <a:r>
+              <a:rPr lang="it-CH" dirty="0" smtClean="0"/>
+              <a:t>File letto 1 volta	</a:t>
+            </a:r>
+          </a:p>
+          <a:p>
             <a:endParaRPr lang="it-CH" dirty="0"/>
           </a:p>
-        </p:txBody>
-      </p:sp>
-      <p:sp>
-        <p:nvSpPr>
-          <p:cNvPr id="3" name="Segnaposto contenuto 2"/>
-          <p:cNvSpPr>
-            <a:spLocks noGrp="1"/>
-          </p:cNvSpPr>
-          <p:nvPr>
-            <p:ph idx="1"/>
-          </p:nvPr>
-        </p:nvSpPr>
-        <p:spPr/>
-        <p:txBody>
-          <a:bodyPr/>
-          <a:lstStyle/>
-          <a:p>
-            <a:r>
-              <a:rPr lang="it-CH" dirty="0" smtClean="0"/>
-              <a:t>File letto e memorizzato</a:t>
-            </a:r>
-          </a:p>
-          <a:p>
-            <a:r>
-              <a:rPr lang="it-CH" dirty="0" smtClean="0"/>
-              <a:t>Attributi mancanti 						«,,,,»</a:t>
-            </a:r>
-          </a:p>
-          <a:p>
-            <a:r>
-              <a:rPr lang="it-CH" dirty="0" smtClean="0"/>
-              <a:t>Variazioni punteggio						«74+4, 65-3»</a:t>
-            </a:r>
-          </a:p>
-          <a:p>
-            <a:r>
-              <a:rPr lang="it-CH" dirty="0" smtClean="0"/>
-              <a:t>Nuovi attributi					</a:t>
-            </a:r>
+          <a:p>
             <a:endParaRPr lang="it-CH" dirty="0" smtClean="0"/>
           </a:p>
           <a:p>
+            <a:endParaRPr lang="it-CH" dirty="0" smtClean="0"/>
+          </a:p>
+          <a:p>
+            <a:r>
+              <a:rPr lang="it-CH" dirty="0" smtClean="0"/>
+              <a:t>17982 osservazioni</a:t>
+            </a:r>
+          </a:p>
+          <a:p>
+            <a:r>
+              <a:rPr lang="it-CH" dirty="0" smtClean="0"/>
+              <a:t>75 attributi per giocatore		</a:t>
+            </a:r>
+          </a:p>
+          <a:p>
             <a:endParaRPr lang="it-CH" dirty="0"/>
           </a:p>
         </p:txBody>
       </p:sp>
-      <p:sp>
-        <p:nvSpPr>
-          <p:cNvPr id="5" name="CasellaDiTesto 4"/>
-          <p:cNvSpPr txBox="1"/>
+      <p:pic>
+        <p:nvPicPr>
+          <p:cNvPr id="6" name="Immagine 5"/>
+          <p:cNvPicPr>
+            <a:picLocks noChangeAspect="1"/>
+          </p:cNvPicPr>
           <p:nvPr/>
-        </p:nvSpPr>
+        </p:nvPicPr>
+        <p:blipFill>
+          <a:blip r:embed="rId2">
+            <a:extLst>
+              <a:ext uri="{28A0092B-C50C-407E-A947-70E740481C1C}">
+                <a14:useLocalDpi xmlns:a14="http://schemas.microsoft.com/office/drawing/2010/main" val="0"/>
+              </a:ext>
+            </a:extLst>
+          </a:blip>
+          <a:stretch>
+            <a:fillRect/>
+          </a:stretch>
+        </p:blipFill>
         <p:spPr>
           <a:xfrm>
-            <a:off x="139700" y="4976634"/>
-            <a:ext cx="11912600" cy="1200329"/>
+            <a:off x="6294738" y="2604032"/>
+            <a:ext cx="5059062" cy="2612922"/>
           </a:xfrm>
           <a:prstGeom prst="rect">
             <a:avLst/>
           </a:prstGeom>
-          <a:noFill/>
           <a:ln>
             <a:solidFill>
               <a:schemeClr val="tx1"/>
             </a:solidFill>
           </a:ln>
         </p:spPr>
-        <p:txBody>
-          <a:bodyPr wrap="square" rtlCol="0">
-            <a:spAutoFit/>
-          </a:bodyPr>
-          <a:lstStyle/>
-          <a:p>
-            <a:pPr algn="just"/>
-            <a:r>
-              <a:rPr lang="it-CH" dirty="0"/>
-              <a:t>0</a:t>
-            </a:r>
-            <a:r>
-              <a:rPr lang="it-CH" dirty="0" smtClean="0"/>
-              <a:t>, Cristiano </a:t>
-            </a:r>
-            <a:r>
-              <a:rPr lang="it-CH" dirty="0"/>
-              <a:t>Ronaldo</a:t>
-            </a:r>
-            <a:r>
-              <a:rPr lang="it-CH" dirty="0" smtClean="0"/>
-              <a:t>, 32, </a:t>
-            </a:r>
-            <a:r>
-              <a:rPr lang="it-CH" dirty="0" smtClean="0">
-                <a:hlinkClick r:id="rId2"/>
-              </a:rPr>
-              <a:t>https</a:t>
-            </a:r>
-            <a:r>
-              <a:rPr lang="it-CH" dirty="0">
-                <a:hlinkClick r:id="rId2"/>
-              </a:rPr>
-              <a:t>://</a:t>
-            </a:r>
-            <a:r>
-              <a:rPr lang="it-CH" dirty="0" smtClean="0">
-                <a:hlinkClick r:id="rId2"/>
-              </a:rPr>
-              <a:t>cdn.sofifa.org/48/18/players/20801.png,Portugal</a:t>
-            </a:r>
-            <a:r>
-              <a:rPr lang="it-CH" dirty="0" smtClean="0"/>
-              <a:t>, </a:t>
-            </a:r>
-            <a:r>
-              <a:rPr lang="it-CH" dirty="0" smtClean="0">
-                <a:hlinkClick r:id="rId3"/>
-              </a:rPr>
-              <a:t>https</a:t>
-            </a:r>
-            <a:r>
-              <a:rPr lang="it-CH" dirty="0">
-                <a:hlinkClick r:id="rId3"/>
-              </a:rPr>
-              <a:t>://</a:t>
-            </a:r>
-            <a:r>
-              <a:rPr lang="it-CH" dirty="0" smtClean="0">
-                <a:hlinkClick r:id="rId3"/>
-              </a:rPr>
-              <a:t>cdn.sofifa.org/flags/38.png</a:t>
-            </a:r>
-            <a:r>
-              <a:rPr lang="it-CH" dirty="0" smtClean="0"/>
-              <a:t>, 94, 94, Real </a:t>
-            </a:r>
-            <a:r>
-              <a:rPr lang="it-CH" dirty="0"/>
-              <a:t>Madrid CF</a:t>
-            </a:r>
-            <a:r>
-              <a:rPr lang="it-CH" dirty="0" smtClean="0"/>
-              <a:t>, </a:t>
-            </a:r>
-            <a:r>
-              <a:rPr lang="it-CH" dirty="0" smtClean="0">
-                <a:hlinkClick r:id="rId4"/>
-              </a:rPr>
-              <a:t>https</a:t>
-            </a:r>
-            <a:r>
-              <a:rPr lang="it-CH" dirty="0">
-                <a:hlinkClick r:id="rId4"/>
-              </a:rPr>
-              <a:t>://cdn.sofifa.org/24/18/teams/243.png</a:t>
-            </a:r>
-            <a:r>
-              <a:rPr lang="it-CH" dirty="0" smtClean="0"/>
-              <a:t>, â‚ ¬</a:t>
-            </a:r>
-            <a:r>
-              <a:rPr lang="it-CH" dirty="0"/>
-              <a:t>95.5M</a:t>
-            </a:r>
-            <a:r>
-              <a:rPr lang="it-CH" dirty="0" smtClean="0"/>
-              <a:t>, â‚ ¬</a:t>
-            </a:r>
-            <a:r>
-              <a:rPr lang="it-CH" dirty="0" smtClean="0"/>
-              <a:t>565K</a:t>
-            </a:r>
-            <a:r>
-              <a:rPr lang="it-CH" dirty="0" smtClean="0"/>
-              <a:t>, 2228, 89, 63, 89, 63, 93, 95, 85, 81, 91, 94, 76, 7, 11, 15, 14, 11, 88, 29, 95, 77, 92, 22, 85, 95, 96, 83, 94, 23, 91, 92, 31, 80, 85, 88, 89.0, 53.0, 62.0, 91.0, 82.0, 20801, 89.0, 61.0, 53.0, 82.0, 62.0, 91.0, 89.0, 92.0, 91.0, 66.0, ST LW, 89.0, 61.0, 53.0, 82.0, 62.0, 91.0, 89.0, 92.0, 91.0, 66.0, 92.0</a:t>
-            </a:r>
-            <a:endParaRPr lang="it-CH" dirty="0"/>
-          </a:p>
-        </p:txBody>
-      </p:sp>
+      </p:pic>
     </p:spTree>
     <p:extLst>
       <p:ext uri="{BB962C8B-B14F-4D97-AF65-F5344CB8AC3E}">
@@ -3408,11 +3660,7 @@
           <a:p>
             <a:r>
               <a:rPr lang="it-CH" dirty="0" smtClean="0"/>
-              <a:t>Server - </a:t>
-            </a:r>
-            <a:r>
-              <a:rPr lang="it-CH" dirty="0" err="1" smtClean="0"/>
-              <a:t>endpoint</a:t>
+              <a:t>Server – attributi ricevuti</a:t>
             </a:r>
             <a:endParaRPr lang="it-CH" dirty="0"/>
           </a:p>
@@ -3435,55 +3683,60 @@
           <a:p>
             <a:r>
               <a:rPr lang="it-CH" dirty="0" smtClean="0"/>
-              <a:t>Offerta end-</a:t>
-            </a:r>
-            <a:r>
-              <a:rPr lang="it-CH" dirty="0" err="1" smtClean="0"/>
-              <a:t>point</a:t>
-            </a:r>
+              <a:t>Attributi mancanti 				«54,,,,59»</a:t>
+            </a:r>
+          </a:p>
+          <a:p>
             <a:endParaRPr lang="it-CH" dirty="0" smtClean="0"/>
           </a:p>
           <a:p>
+            <a:r>
+              <a:rPr lang="it-CH" dirty="0" smtClean="0"/>
+              <a:t>Variazioni punteggio				«74+4, 65-3»</a:t>
+            </a:r>
+          </a:p>
+          <a:p>
+            <a:endParaRPr lang="it-CH" dirty="0" smtClean="0"/>
+          </a:p>
+          <a:p>
+            <a:r>
+              <a:rPr lang="it-CH" dirty="0" smtClean="0"/>
+              <a:t>Parse dei prezzi					«€27M</a:t>
+            </a:r>
+            <a:r>
+              <a:rPr lang="it-CH" dirty="0"/>
+              <a:t>, €70K, </a:t>
+            </a:r>
+            <a:r>
+              <a:rPr lang="it-CH" dirty="0" smtClean="0"/>
+              <a:t>£5000»</a:t>
+            </a:r>
+          </a:p>
+          <a:p>
+            <a:endParaRPr lang="it-CH" dirty="0" smtClean="0"/>
+          </a:p>
+          <a:p>
+            <a:r>
+              <a:rPr lang="it-CH" dirty="0" smtClean="0"/>
+              <a:t>Nuovi attributi</a:t>
+            </a:r>
+            <a:endParaRPr lang="it-CH" dirty="0"/>
+          </a:p>
+          <a:p>
             <a:pPr lvl="1"/>
             <a:r>
               <a:rPr lang="it-CH" dirty="0" smtClean="0"/>
-              <a:t>Ricerca per nome</a:t>
+              <a:t>Somma punti abilità per ogni giocatore</a:t>
             </a:r>
           </a:p>
           <a:p>
             <a:pPr lvl="1"/>
             <a:r>
               <a:rPr lang="it-CH" dirty="0" smtClean="0"/>
-              <a:t>Ricerca per stipendio</a:t>
-            </a:r>
-          </a:p>
-          <a:p>
-            <a:pPr lvl="1"/>
-            <a:r>
-              <a:rPr lang="it-CH" dirty="0" smtClean="0"/>
-              <a:t>Ricerca per prezzo</a:t>
-            </a:r>
-          </a:p>
-          <a:p>
-            <a:pPr lvl="1"/>
-            <a:r>
-              <a:rPr lang="it-CH" dirty="0" smtClean="0"/>
-              <a:t>Ricerca per nazionalità</a:t>
-            </a:r>
-          </a:p>
-          <a:p>
-            <a:pPr lvl="1"/>
-            <a:r>
-              <a:rPr lang="it-CH" dirty="0" smtClean="0"/>
-              <a:t>Ricerca per ruolo</a:t>
-            </a:r>
-          </a:p>
-          <a:p>
-            <a:pPr lvl="1"/>
-            <a:r>
-              <a:rPr lang="it-CH" dirty="0" smtClean="0"/>
-              <a:t>Ricerca per miglior rapporto punti/prezzo</a:t>
-            </a:r>
+              <a:t>Rapporto punti abilità su prezzo giocatore				</a:t>
+            </a:r>
+          </a:p>
+          <a:p>
             <a:endParaRPr lang="it-CH" dirty="0"/>
           </a:p>
         </p:txBody>
@@ -3491,7 +3744,7 @@
     </p:spTree>
     <p:extLst>
       <p:ext uri="{BB962C8B-B14F-4D97-AF65-F5344CB8AC3E}">
-        <p14:creationId xmlns:p14="http://schemas.microsoft.com/office/powerpoint/2010/main" val="1642784649"/>
+        <p14:creationId xmlns:p14="http://schemas.microsoft.com/office/powerpoint/2010/main" val="1329302581"/>
       </p:ext>
     </p:extLst>
   </p:cSld>
@@ -3534,8 +3787,12 @@
           <a:lstStyle/>
           <a:p>
             <a:r>
-              <a:rPr lang="it-CH" dirty="0" smtClean="0"/>
-              <a:t>Client - interrogazione</a:t>
+              <a:rPr lang="it-CH" dirty="0"/>
+              <a:t>Server - </a:t>
+            </a:r>
+            <a:r>
+              <a:rPr lang="it-CH" dirty="0" smtClean="0"/>
+              <a:t>istanze</a:t>
             </a:r>
             <a:endParaRPr lang="it-CH" dirty="0"/>
           </a:p>
@@ -3543,7 +3800,660 @@
       </p:sp>
       <p:sp>
         <p:nvSpPr>
-          <p:cNvPr id="3" name="Segnaposto contenuto 2"/>
+          <p:cNvPr id="5" name="CasellaDiTesto 4"/>
+          <p:cNvSpPr txBox="1"/>
+          <p:nvPr/>
+        </p:nvSpPr>
+        <p:spPr>
+          <a:xfrm>
+            <a:off x="265347" y="4939556"/>
+            <a:ext cx="11791940" cy="1477328"/>
+          </a:xfrm>
+          <a:prstGeom prst="rect">
+            <a:avLst/>
+          </a:prstGeom>
+          <a:noFill/>
+          <a:ln>
+            <a:solidFill>
+              <a:schemeClr val="tx1"/>
+            </a:solidFill>
+          </a:ln>
+        </p:spPr>
+        <p:txBody>
+          <a:bodyPr wrap="square" rtlCol="0">
+            <a:spAutoFit/>
+          </a:bodyPr>
+          <a:lstStyle/>
+          <a:p>
+            <a:pPr algn="just"/>
+            <a:r>
+              <a:rPr lang="it-CH" dirty="0"/>
+              <a:t>0</a:t>
+            </a:r>
+            <a:r>
+              <a:rPr lang="it-CH" dirty="0" smtClean="0"/>
+              <a:t>, Cristiano </a:t>
+            </a:r>
+            <a:r>
+              <a:rPr lang="it-CH" dirty="0"/>
+              <a:t>Ronaldo</a:t>
+            </a:r>
+            <a:r>
+              <a:rPr lang="it-CH" dirty="0" smtClean="0"/>
+              <a:t>, 32, </a:t>
+            </a:r>
+            <a:r>
+              <a:rPr lang="it-CH" dirty="0" smtClean="0">
+                <a:hlinkClick r:id="rId2"/>
+              </a:rPr>
+              <a:t>https</a:t>
+            </a:r>
+            <a:r>
+              <a:rPr lang="it-CH" dirty="0">
+                <a:hlinkClick r:id="rId2"/>
+              </a:rPr>
+              <a:t>://</a:t>
+            </a:r>
+            <a:r>
+              <a:rPr lang="it-CH" dirty="0" smtClean="0">
+                <a:hlinkClick r:id="rId2"/>
+              </a:rPr>
+              <a:t>cdn.sofifa.org/48/18/players/20801.png,Portugal</a:t>
+            </a:r>
+            <a:r>
+              <a:rPr lang="it-CH" dirty="0" smtClean="0"/>
+              <a:t>, </a:t>
+            </a:r>
+            <a:r>
+              <a:rPr lang="it-CH" dirty="0" smtClean="0">
+                <a:hlinkClick r:id="rId3"/>
+              </a:rPr>
+              <a:t>https</a:t>
+            </a:r>
+            <a:r>
+              <a:rPr lang="it-CH" dirty="0">
+                <a:hlinkClick r:id="rId3"/>
+              </a:rPr>
+              <a:t>://</a:t>
+            </a:r>
+            <a:r>
+              <a:rPr lang="it-CH" dirty="0" smtClean="0">
+                <a:hlinkClick r:id="rId3"/>
+              </a:rPr>
+              <a:t>cdn.sofifa.org/flags/38.png</a:t>
+            </a:r>
+            <a:r>
+              <a:rPr lang="it-CH" dirty="0" smtClean="0"/>
+              <a:t>, 94, 94, Real </a:t>
+            </a:r>
+            <a:r>
+              <a:rPr lang="it-CH" dirty="0"/>
+              <a:t>Madrid CF</a:t>
+            </a:r>
+            <a:r>
+              <a:rPr lang="it-CH" dirty="0" smtClean="0"/>
+              <a:t>, </a:t>
+            </a:r>
+            <a:r>
+              <a:rPr lang="it-CH" dirty="0" smtClean="0">
+                <a:hlinkClick r:id="rId4"/>
+              </a:rPr>
+              <a:t>https</a:t>
+            </a:r>
+            <a:r>
+              <a:rPr lang="it-CH" dirty="0">
+                <a:hlinkClick r:id="rId4"/>
+              </a:rPr>
+              <a:t>://cdn.sofifa.org/24/18/teams/243.png</a:t>
+            </a:r>
+            <a:r>
+              <a:rPr lang="it-CH" dirty="0" smtClean="0"/>
+              <a:t>, â‚ ¬</a:t>
+            </a:r>
+            <a:r>
+              <a:rPr lang="it-CH" dirty="0"/>
+              <a:t>95.5M</a:t>
+            </a:r>
+            <a:r>
+              <a:rPr lang="it-CH" dirty="0" smtClean="0"/>
+              <a:t>, â‚ ¬565K, 2228, 89, 63, 89, 63, 93, 95, 85, 81, 91, 94, 76, 7, 11, 15, 14, 11, 88, 29, 95, 77, 92, 22, 85, 95, 96, 83, 94, 23, 91, 92, 31, 80, 85, 88, 89.0, 53.0, 62.0, 91.0, 82.0, 20801, 89.0, 61.0, 53.0, 82.0, 62.0, 91.0, 89.0, 92.0, 91.0, 66.0, ST LW, 89.0, 61.0, 53.0, 82.0, 62.0, 91.0, 89.0, 92.0, 91.0, 66.0, 92.0</a:t>
+            </a:r>
+            <a:endParaRPr lang="it-CH" dirty="0"/>
+          </a:p>
+        </p:txBody>
+      </p:sp>
+      <p:sp>
+        <p:nvSpPr>
+          <p:cNvPr id="13" name="Rectangle 7"/>
+          <p:cNvSpPr>
+            <a:spLocks noChangeArrowheads="1"/>
+          </p:cNvSpPr>
+          <p:nvPr/>
+        </p:nvSpPr>
+        <p:spPr bwMode="auto">
+          <a:xfrm>
+            <a:off x="260360" y="2282268"/>
+            <a:ext cx="11796927" cy="1754326"/>
+          </a:xfrm>
+          <a:prstGeom prst="rect">
+            <a:avLst/>
+          </a:prstGeom>
+          <a:solidFill>
+            <a:srgbClr val="FFFFFF"/>
+          </a:solidFill>
+          <a:ln w="9525">
+            <a:solidFill>
+              <a:schemeClr val="tx1"/>
+            </a:solidFill>
+            <a:miter lim="800000"/>
+            <a:headEnd/>
+            <a:tailEnd/>
+          </a:ln>
+          <a:effectLst/>
+          <a:extLst>
+            <a:ext uri="{AF507438-7753-43E0-B8FC-AC1667EBCBE1}">
+              <a14:hiddenEffects xmlns:a14="http://schemas.microsoft.com/office/drawing/2010/main">
+                <a:effectLst>
+                  <a:outerShdw dist="35921" dir="2700000" algn="ctr" rotWithShape="0">
+                    <a:schemeClr val="bg2"/>
+                  </a:outerShdw>
+                </a:effectLst>
+              </a14:hiddenEffects>
+            </a:ext>
+          </a:extLst>
+        </p:spPr>
+        <p:txBody>
+          <a:bodyPr vert="horz" wrap="square" lIns="91440" tIns="45720" rIns="91440" bIns="45720" numCol="1" anchor="ctr" anchorCtr="0" compatLnSpc="1">
+            <a:prstTxWarp prst="textNoShape">
+              <a:avLst/>
+            </a:prstTxWarp>
+            <a:spAutoFit/>
+          </a:bodyPr>
+          <a:lstStyle/>
+          <a:p>
+            <a:pPr algn="just" eaLnBrk="0" fontAlgn="base" hangingPunct="0">
+              <a:spcBef>
+                <a:spcPct val="0"/>
+              </a:spcBef>
+              <a:spcAft>
+                <a:spcPct val="0"/>
+              </a:spcAft>
+            </a:pPr>
+            <a:r>
+              <a:rPr lang="it-CH" altLang="it-CH" dirty="0">
+                <a:cs typeface="Courier New" panose="02070309020205020404" pitchFamily="49" charset="0"/>
+              </a:rPr>
+              <a:t>, </a:t>
+            </a:r>
+            <a:r>
+              <a:rPr lang="it-CH" altLang="it-CH" dirty="0" err="1">
+                <a:cs typeface="Courier New" panose="02070309020205020404" pitchFamily="49" charset="0"/>
+              </a:rPr>
+              <a:t>Name</a:t>
+            </a:r>
+            <a:r>
+              <a:rPr lang="it-CH" altLang="it-CH" dirty="0">
+                <a:cs typeface="Courier New" panose="02070309020205020404" pitchFamily="49" charset="0"/>
+              </a:rPr>
+              <a:t>, Age, Photo, </a:t>
+            </a:r>
+            <a:r>
+              <a:rPr lang="it-CH" altLang="it-CH" dirty="0" err="1">
+                <a:cs typeface="Courier New" panose="02070309020205020404" pitchFamily="49" charset="0"/>
+              </a:rPr>
+              <a:t>Nationality</a:t>
+            </a:r>
+            <a:r>
+              <a:rPr lang="it-CH" altLang="it-CH" dirty="0">
+                <a:cs typeface="Courier New" panose="02070309020205020404" pitchFamily="49" charset="0"/>
+              </a:rPr>
+              <a:t>, </a:t>
+            </a:r>
+            <a:r>
+              <a:rPr lang="it-CH" altLang="it-CH" dirty="0" err="1">
+                <a:cs typeface="Courier New" panose="02070309020205020404" pitchFamily="49" charset="0"/>
+              </a:rPr>
+              <a:t>Flag</a:t>
+            </a:r>
+            <a:r>
+              <a:rPr lang="it-CH" altLang="it-CH" dirty="0">
+                <a:cs typeface="Courier New" panose="02070309020205020404" pitchFamily="49" charset="0"/>
+              </a:rPr>
+              <a:t>, </a:t>
+            </a:r>
+            <a:r>
+              <a:rPr lang="it-CH" altLang="it-CH" dirty="0" err="1">
+                <a:cs typeface="Courier New" panose="02070309020205020404" pitchFamily="49" charset="0"/>
+              </a:rPr>
+              <a:t>Overall</a:t>
+            </a:r>
+            <a:r>
+              <a:rPr lang="it-CH" altLang="it-CH" dirty="0">
+                <a:cs typeface="Courier New" panose="02070309020205020404" pitchFamily="49" charset="0"/>
+              </a:rPr>
+              <a:t>, </a:t>
+            </a:r>
+            <a:r>
+              <a:rPr lang="it-CH" altLang="it-CH" dirty="0" err="1">
+                <a:cs typeface="Courier New" panose="02070309020205020404" pitchFamily="49" charset="0"/>
+              </a:rPr>
+              <a:t>Potential</a:t>
+            </a:r>
+            <a:r>
+              <a:rPr lang="it-CH" altLang="it-CH" dirty="0">
+                <a:cs typeface="Courier New" panose="02070309020205020404" pitchFamily="49" charset="0"/>
+              </a:rPr>
+              <a:t>, Club, Club Logo, Value, </a:t>
+            </a:r>
+            <a:r>
+              <a:rPr lang="it-CH" altLang="it-CH" dirty="0" err="1">
+                <a:cs typeface="Courier New" panose="02070309020205020404" pitchFamily="49" charset="0"/>
+              </a:rPr>
+              <a:t>Wage</a:t>
+            </a:r>
+            <a:r>
+              <a:rPr lang="it-CH" altLang="it-CH" dirty="0">
+                <a:cs typeface="Courier New" panose="02070309020205020404" pitchFamily="49" charset="0"/>
+              </a:rPr>
+              <a:t>, Special, Acceleration, </a:t>
+            </a:r>
+            <a:r>
+              <a:rPr lang="it-CH" altLang="it-CH" dirty="0" err="1">
+                <a:cs typeface="Courier New" panose="02070309020205020404" pitchFamily="49" charset="0"/>
+              </a:rPr>
+              <a:t>Aggression</a:t>
+            </a:r>
+            <a:r>
+              <a:rPr lang="it-CH" altLang="it-CH" dirty="0">
+                <a:cs typeface="Courier New" panose="02070309020205020404" pitchFamily="49" charset="0"/>
+              </a:rPr>
+              <a:t>, </a:t>
+            </a:r>
+            <a:r>
+              <a:rPr lang="it-CH" altLang="it-CH" dirty="0" err="1">
+                <a:cs typeface="Courier New" panose="02070309020205020404" pitchFamily="49" charset="0"/>
+              </a:rPr>
+              <a:t>Agility</a:t>
+            </a:r>
+            <a:r>
+              <a:rPr lang="it-CH" altLang="it-CH" dirty="0" smtClean="0">
+                <a:cs typeface="Courier New" panose="02070309020205020404" pitchFamily="49" charset="0"/>
+              </a:rPr>
+              <a:t>, Balance, Ball </a:t>
+            </a:r>
+            <a:r>
+              <a:rPr lang="it-CH" altLang="it-CH" dirty="0">
+                <a:cs typeface="Courier New" panose="02070309020205020404" pitchFamily="49" charset="0"/>
+              </a:rPr>
+              <a:t>control</a:t>
+            </a:r>
+            <a:r>
+              <a:rPr lang="it-CH" altLang="it-CH" dirty="0" smtClean="0">
+                <a:cs typeface="Courier New" panose="02070309020205020404" pitchFamily="49" charset="0"/>
+              </a:rPr>
+              <a:t>, </a:t>
+            </a:r>
+            <a:r>
+              <a:rPr lang="it-CH" altLang="it-CH" dirty="0" err="1" smtClean="0">
+                <a:cs typeface="Courier New" panose="02070309020205020404" pitchFamily="49" charset="0"/>
+              </a:rPr>
+              <a:t>Composure</a:t>
+            </a:r>
+            <a:r>
+              <a:rPr lang="it-CH" altLang="it-CH" dirty="0" smtClean="0">
+                <a:cs typeface="Courier New" panose="02070309020205020404" pitchFamily="49" charset="0"/>
+              </a:rPr>
+              <a:t>, </a:t>
+            </a:r>
+            <a:r>
+              <a:rPr lang="it-CH" altLang="it-CH" dirty="0" err="1" smtClean="0">
+                <a:cs typeface="Courier New" panose="02070309020205020404" pitchFamily="49" charset="0"/>
+              </a:rPr>
+              <a:t>Crossing</a:t>
+            </a:r>
+            <a:r>
+              <a:rPr lang="it-CH" altLang="it-CH" dirty="0" smtClean="0">
+                <a:cs typeface="Courier New" panose="02070309020205020404" pitchFamily="49" charset="0"/>
+              </a:rPr>
+              <a:t>, Curve, Dribbling, </a:t>
+            </a:r>
+            <a:r>
+              <a:rPr lang="it-CH" altLang="it-CH" dirty="0" err="1" smtClean="0">
+                <a:cs typeface="Courier New" panose="02070309020205020404" pitchFamily="49" charset="0"/>
+              </a:rPr>
+              <a:t>Finishing</a:t>
+            </a:r>
+            <a:r>
+              <a:rPr lang="it-CH" altLang="it-CH" dirty="0" smtClean="0">
+                <a:cs typeface="Courier New" panose="02070309020205020404" pitchFamily="49" charset="0"/>
+              </a:rPr>
+              <a:t>, Free </a:t>
+            </a:r>
+            <a:r>
+              <a:rPr lang="it-CH" altLang="it-CH" dirty="0">
+                <a:cs typeface="Courier New" panose="02070309020205020404" pitchFamily="49" charset="0"/>
+              </a:rPr>
+              <a:t>kick </a:t>
+            </a:r>
+            <a:r>
+              <a:rPr lang="it-CH" altLang="it-CH" dirty="0" err="1">
+                <a:cs typeface="Courier New" panose="02070309020205020404" pitchFamily="49" charset="0"/>
+              </a:rPr>
+              <a:t>accuracy</a:t>
+            </a:r>
+            <a:r>
+              <a:rPr lang="it-CH" altLang="it-CH" dirty="0" smtClean="0">
+                <a:cs typeface="Courier New" panose="02070309020205020404" pitchFamily="49" charset="0"/>
+              </a:rPr>
+              <a:t>, GK </a:t>
+            </a:r>
+            <a:r>
+              <a:rPr lang="it-CH" altLang="it-CH" dirty="0" err="1">
+                <a:cs typeface="Courier New" panose="02070309020205020404" pitchFamily="49" charset="0"/>
+              </a:rPr>
+              <a:t>diving</a:t>
+            </a:r>
+            <a:r>
+              <a:rPr lang="it-CH" altLang="it-CH" dirty="0" smtClean="0">
+                <a:cs typeface="Courier New" panose="02070309020205020404" pitchFamily="49" charset="0"/>
+              </a:rPr>
+              <a:t>, GK </a:t>
+            </a:r>
+            <a:r>
+              <a:rPr lang="it-CH" altLang="it-CH" dirty="0" err="1">
+                <a:cs typeface="Courier New" panose="02070309020205020404" pitchFamily="49" charset="0"/>
+              </a:rPr>
+              <a:t>handling</a:t>
+            </a:r>
+            <a:r>
+              <a:rPr lang="it-CH" altLang="it-CH" dirty="0" smtClean="0">
+                <a:cs typeface="Courier New" panose="02070309020205020404" pitchFamily="49" charset="0"/>
+              </a:rPr>
+              <a:t>, GK </a:t>
+            </a:r>
+            <a:r>
+              <a:rPr lang="it-CH" altLang="it-CH" dirty="0" err="1">
+                <a:cs typeface="Courier New" panose="02070309020205020404" pitchFamily="49" charset="0"/>
+              </a:rPr>
+              <a:t>kicking</a:t>
+            </a:r>
+            <a:r>
+              <a:rPr lang="it-CH" altLang="it-CH" dirty="0" smtClean="0">
+                <a:cs typeface="Courier New" panose="02070309020205020404" pitchFamily="49" charset="0"/>
+              </a:rPr>
+              <a:t>, GK </a:t>
+            </a:r>
+            <a:r>
+              <a:rPr lang="it-CH" altLang="it-CH" dirty="0" err="1">
+                <a:cs typeface="Courier New" panose="02070309020205020404" pitchFamily="49" charset="0"/>
+              </a:rPr>
+              <a:t>positioning</a:t>
+            </a:r>
+            <a:r>
+              <a:rPr lang="it-CH" altLang="it-CH" dirty="0" smtClean="0">
+                <a:cs typeface="Courier New" panose="02070309020205020404" pitchFamily="49" charset="0"/>
+              </a:rPr>
+              <a:t>, GK </a:t>
+            </a:r>
+            <a:r>
+              <a:rPr lang="it-CH" altLang="it-CH" dirty="0" err="1">
+                <a:cs typeface="Courier New" panose="02070309020205020404" pitchFamily="49" charset="0"/>
+              </a:rPr>
+              <a:t>reflexes</a:t>
+            </a:r>
+            <a:r>
+              <a:rPr lang="it-CH" altLang="it-CH" dirty="0" smtClean="0">
+                <a:cs typeface="Courier New" panose="02070309020205020404" pitchFamily="49" charset="0"/>
+              </a:rPr>
+              <a:t>, </a:t>
+            </a:r>
+            <a:r>
+              <a:rPr lang="it-CH" altLang="it-CH" dirty="0" err="1" smtClean="0">
+                <a:cs typeface="Courier New" panose="02070309020205020404" pitchFamily="49" charset="0"/>
+              </a:rPr>
+              <a:t>Heading</a:t>
+            </a:r>
+            <a:r>
+              <a:rPr lang="it-CH" altLang="it-CH" dirty="0" smtClean="0">
+                <a:cs typeface="Courier New" panose="02070309020205020404" pitchFamily="49" charset="0"/>
+              </a:rPr>
+              <a:t> </a:t>
+            </a:r>
+            <a:r>
+              <a:rPr lang="it-CH" altLang="it-CH" dirty="0" err="1">
+                <a:cs typeface="Courier New" panose="02070309020205020404" pitchFamily="49" charset="0"/>
+              </a:rPr>
+              <a:t>accuracy</a:t>
+            </a:r>
+            <a:r>
+              <a:rPr lang="it-CH" altLang="it-CH" dirty="0" smtClean="0">
+                <a:cs typeface="Courier New" panose="02070309020205020404" pitchFamily="49" charset="0"/>
+              </a:rPr>
+              <a:t>, </a:t>
+            </a:r>
+            <a:r>
+              <a:rPr lang="it-CH" altLang="it-CH" dirty="0" err="1" smtClean="0">
+                <a:cs typeface="Courier New" panose="02070309020205020404" pitchFamily="49" charset="0"/>
+              </a:rPr>
+              <a:t>Interceptions</a:t>
+            </a:r>
+            <a:r>
+              <a:rPr lang="it-CH" altLang="it-CH" dirty="0" smtClean="0">
+                <a:cs typeface="Courier New" panose="02070309020205020404" pitchFamily="49" charset="0"/>
+              </a:rPr>
+              <a:t>, </a:t>
+            </a:r>
+            <a:r>
+              <a:rPr lang="it-CH" altLang="it-CH" dirty="0" err="1" smtClean="0">
+                <a:cs typeface="Courier New" panose="02070309020205020404" pitchFamily="49" charset="0"/>
+              </a:rPr>
+              <a:t>Jumping</a:t>
+            </a:r>
+            <a:r>
+              <a:rPr lang="it-CH" altLang="it-CH" dirty="0" smtClean="0">
+                <a:cs typeface="Courier New" panose="02070309020205020404" pitchFamily="49" charset="0"/>
+              </a:rPr>
+              <a:t>, Long </a:t>
+            </a:r>
+            <a:r>
+              <a:rPr lang="it-CH" altLang="it-CH" dirty="0" err="1">
+                <a:cs typeface="Courier New" panose="02070309020205020404" pitchFamily="49" charset="0"/>
+              </a:rPr>
+              <a:t>passing</a:t>
+            </a:r>
+            <a:r>
+              <a:rPr lang="it-CH" altLang="it-CH" dirty="0" smtClean="0">
+                <a:cs typeface="Courier New" panose="02070309020205020404" pitchFamily="49" charset="0"/>
+              </a:rPr>
+              <a:t>, Long </a:t>
+            </a:r>
+            <a:r>
+              <a:rPr lang="it-CH" altLang="it-CH" dirty="0" err="1">
+                <a:cs typeface="Courier New" panose="02070309020205020404" pitchFamily="49" charset="0"/>
+              </a:rPr>
+              <a:t>shots</a:t>
+            </a:r>
+            <a:r>
+              <a:rPr lang="it-CH" altLang="it-CH" dirty="0" smtClean="0">
+                <a:cs typeface="Courier New" panose="02070309020205020404" pitchFamily="49" charset="0"/>
+              </a:rPr>
+              <a:t>, </a:t>
+            </a:r>
+            <a:r>
+              <a:rPr lang="it-CH" altLang="it-CH" dirty="0" err="1" smtClean="0">
+                <a:cs typeface="Courier New" panose="02070309020205020404" pitchFamily="49" charset="0"/>
+              </a:rPr>
+              <a:t>Marking</a:t>
+            </a:r>
+            <a:r>
+              <a:rPr lang="it-CH" altLang="it-CH" dirty="0" smtClean="0">
+                <a:cs typeface="Courier New" panose="02070309020205020404" pitchFamily="49" charset="0"/>
+              </a:rPr>
+              <a:t>, </a:t>
+            </a:r>
+            <a:r>
+              <a:rPr lang="it-CH" altLang="it-CH" dirty="0" err="1" smtClean="0">
+                <a:cs typeface="Courier New" panose="02070309020205020404" pitchFamily="49" charset="0"/>
+              </a:rPr>
+              <a:t>Penalties</a:t>
+            </a:r>
+            <a:r>
+              <a:rPr lang="it-CH" altLang="it-CH" dirty="0" smtClean="0">
+                <a:cs typeface="Courier New" panose="02070309020205020404" pitchFamily="49" charset="0"/>
+              </a:rPr>
+              <a:t>, </a:t>
+            </a:r>
+            <a:r>
+              <a:rPr lang="it-CH" altLang="it-CH" dirty="0" err="1" smtClean="0">
+                <a:cs typeface="Courier New" panose="02070309020205020404" pitchFamily="49" charset="0"/>
+              </a:rPr>
+              <a:t>Positioning</a:t>
+            </a:r>
+            <a:r>
+              <a:rPr lang="it-CH" altLang="it-CH" dirty="0" smtClean="0">
+                <a:cs typeface="Courier New" panose="02070309020205020404" pitchFamily="49" charset="0"/>
+              </a:rPr>
+              <a:t>, </a:t>
+            </a:r>
+            <a:r>
+              <a:rPr lang="it-CH" altLang="it-CH" dirty="0" err="1" smtClean="0">
+                <a:cs typeface="Courier New" panose="02070309020205020404" pitchFamily="49" charset="0"/>
+              </a:rPr>
+              <a:t>Reactions</a:t>
+            </a:r>
+            <a:r>
+              <a:rPr lang="it-CH" altLang="it-CH" dirty="0" smtClean="0">
+                <a:cs typeface="Courier New" panose="02070309020205020404" pitchFamily="49" charset="0"/>
+              </a:rPr>
+              <a:t>, Short </a:t>
+            </a:r>
+            <a:r>
+              <a:rPr lang="it-CH" altLang="it-CH" dirty="0" err="1">
+                <a:cs typeface="Courier New" panose="02070309020205020404" pitchFamily="49" charset="0"/>
+              </a:rPr>
+              <a:t>passing</a:t>
+            </a:r>
+            <a:r>
+              <a:rPr lang="it-CH" altLang="it-CH" dirty="0" smtClean="0">
+                <a:cs typeface="Courier New" panose="02070309020205020404" pitchFamily="49" charset="0"/>
+              </a:rPr>
+              <a:t>, </a:t>
+            </a:r>
+            <a:r>
+              <a:rPr lang="it-CH" altLang="it-CH" dirty="0" err="1" smtClean="0">
+                <a:cs typeface="Courier New" panose="02070309020205020404" pitchFamily="49" charset="0"/>
+              </a:rPr>
+              <a:t>Shot</a:t>
+            </a:r>
+            <a:r>
+              <a:rPr lang="it-CH" altLang="it-CH" dirty="0" smtClean="0">
+                <a:cs typeface="Courier New" panose="02070309020205020404" pitchFamily="49" charset="0"/>
+              </a:rPr>
+              <a:t> </a:t>
+            </a:r>
+            <a:r>
+              <a:rPr lang="it-CH" altLang="it-CH" dirty="0" err="1">
+                <a:cs typeface="Courier New" panose="02070309020205020404" pitchFamily="49" charset="0"/>
+              </a:rPr>
+              <a:t>power</a:t>
+            </a:r>
+            <a:r>
+              <a:rPr lang="it-CH" altLang="it-CH" dirty="0" smtClean="0">
+                <a:cs typeface="Courier New" panose="02070309020205020404" pitchFamily="49" charset="0"/>
+              </a:rPr>
+              <a:t>, </a:t>
+            </a:r>
+            <a:r>
+              <a:rPr lang="it-CH" altLang="it-CH" dirty="0" err="1" smtClean="0">
+                <a:cs typeface="Courier New" panose="02070309020205020404" pitchFamily="49" charset="0"/>
+              </a:rPr>
+              <a:t>Sliding</a:t>
+            </a:r>
+            <a:r>
+              <a:rPr lang="it-CH" altLang="it-CH" dirty="0" smtClean="0">
+                <a:cs typeface="Courier New" panose="02070309020205020404" pitchFamily="49" charset="0"/>
+              </a:rPr>
+              <a:t> </a:t>
+            </a:r>
+            <a:r>
+              <a:rPr lang="it-CH" altLang="it-CH" dirty="0">
+                <a:cs typeface="Courier New" panose="02070309020205020404" pitchFamily="49" charset="0"/>
+              </a:rPr>
+              <a:t>tackle</a:t>
+            </a:r>
+            <a:r>
+              <a:rPr lang="it-CH" altLang="it-CH" dirty="0" smtClean="0">
+                <a:cs typeface="Courier New" panose="02070309020205020404" pitchFamily="49" charset="0"/>
+              </a:rPr>
+              <a:t>, Sprint </a:t>
+            </a:r>
+            <a:r>
+              <a:rPr lang="it-CH" altLang="it-CH" dirty="0" err="1">
+                <a:cs typeface="Courier New" panose="02070309020205020404" pitchFamily="49" charset="0"/>
+              </a:rPr>
+              <a:t>speed</a:t>
+            </a:r>
+            <a:r>
+              <a:rPr lang="it-CH" altLang="it-CH" dirty="0" smtClean="0">
+                <a:cs typeface="Courier New" panose="02070309020205020404" pitchFamily="49" charset="0"/>
+              </a:rPr>
+              <a:t>, Stamina, Standing tackle, </a:t>
+            </a:r>
+            <a:r>
+              <a:rPr lang="it-CH" altLang="it-CH" dirty="0" err="1" smtClean="0">
+                <a:cs typeface="Courier New" panose="02070309020205020404" pitchFamily="49" charset="0"/>
+              </a:rPr>
+              <a:t>Strength</a:t>
+            </a:r>
+            <a:r>
+              <a:rPr lang="it-CH" altLang="it-CH" dirty="0" smtClean="0">
+                <a:cs typeface="Courier New" panose="02070309020205020404" pitchFamily="49" charset="0"/>
+              </a:rPr>
+              <a:t>, Vision, </a:t>
+            </a:r>
+            <a:r>
+              <a:rPr lang="it-CH" altLang="it-CH" dirty="0" err="1" smtClean="0">
+                <a:cs typeface="Courier New" panose="02070309020205020404" pitchFamily="49" charset="0"/>
+              </a:rPr>
+              <a:t>Volleys</a:t>
+            </a:r>
+            <a:r>
+              <a:rPr lang="it-CH" altLang="it-CH" dirty="0" smtClean="0">
+                <a:cs typeface="Courier New" panose="02070309020205020404" pitchFamily="49" charset="0"/>
+              </a:rPr>
+              <a:t>, CAM, CB, CDM, CF, CM, ID, LAM, LB, LCB, LCM, LDM, LF, LM, LS, LW, LWB, </a:t>
+            </a:r>
+            <a:r>
+              <a:rPr lang="it-CH" altLang="it-CH" dirty="0" err="1" smtClean="0">
+                <a:cs typeface="Courier New" panose="02070309020205020404" pitchFamily="49" charset="0"/>
+              </a:rPr>
+              <a:t>Preferred</a:t>
+            </a:r>
+            <a:r>
+              <a:rPr lang="it-CH" altLang="it-CH" dirty="0" smtClean="0">
+                <a:cs typeface="Courier New" panose="02070309020205020404" pitchFamily="49" charset="0"/>
+              </a:rPr>
+              <a:t> </a:t>
+            </a:r>
+            <a:r>
+              <a:rPr lang="it-CH" altLang="it-CH" dirty="0">
+                <a:cs typeface="Courier New" panose="02070309020205020404" pitchFamily="49" charset="0"/>
+              </a:rPr>
+              <a:t>Positions</a:t>
+            </a:r>
+            <a:r>
+              <a:rPr lang="it-CH" altLang="it-CH" dirty="0" smtClean="0">
+                <a:cs typeface="Courier New" panose="02070309020205020404" pitchFamily="49" charset="0"/>
+              </a:rPr>
+              <a:t>, RAM, RB, RCB,RCM, RDM, RF, RM, RS, RW, RWB, ST</a:t>
+            </a:r>
+            <a:endParaRPr lang="it-CH" altLang="it-CH" sz="4400" dirty="0"/>
+          </a:p>
+        </p:txBody>
+      </p:sp>
+      <p:sp>
+        <p:nvSpPr>
+          <p:cNvPr id="14" name="Segnaposto contenuto 2"/>
           <p:cNvSpPr>
             <a:spLocks noGrp="1"/>
           </p:cNvSpPr>
@@ -3551,61 +4461,218 @@
             <p:ph idx="1"/>
           </p:nvPr>
         </p:nvSpPr>
-        <p:spPr/>
-        <p:txBody>
-          <a:bodyPr/>
-          <a:lstStyle/>
-          <a:p>
-            <a:r>
-              <a:rPr lang="it-CH" dirty="0" smtClean="0"/>
-              <a:t>Interrogare il server (AJAX</a:t>
-            </a:r>
-            <a:r>
-              <a:rPr lang="it-CH" dirty="0" smtClean="0"/>
-              <a:t>)</a:t>
-            </a:r>
-          </a:p>
-          <a:p>
-            <a:endParaRPr lang="it-CH" dirty="0" smtClean="0"/>
-          </a:p>
-          <a:p>
-            <a:r>
-              <a:rPr lang="it-CH" dirty="0" smtClean="0"/>
-              <a:t>Analizzare </a:t>
-            </a:r>
-            <a:r>
-              <a:rPr lang="it-CH" dirty="0" smtClean="0"/>
-              <a:t>richieste e plot</a:t>
-            </a:r>
-          </a:p>
-          <a:p>
-            <a:pPr lvl="1"/>
-            <a:r>
-              <a:rPr lang="it-CH" dirty="0" smtClean="0"/>
-              <a:t>Plot (</a:t>
-            </a:r>
+        <p:spPr>
+          <a:xfrm>
+            <a:off x="838200" y="1558276"/>
+            <a:ext cx="10515600" cy="589344"/>
+          </a:xfrm>
+        </p:spPr>
+        <p:txBody>
+          <a:bodyPr/>
+          <a:lstStyle/>
+          <a:p>
             <a:r>
               <a:rPr lang="it-CH" dirty="0" err="1" smtClean="0"/>
-              <a:t>ChartJS</a:t>
-            </a:r>
-            <a:r>
-              <a:rPr lang="it-CH" dirty="0" smtClean="0"/>
-              <a:t>) dati e statistiche</a:t>
-            </a:r>
-          </a:p>
-          <a:p>
-            <a:pPr lvl="1"/>
-            <a:r>
-              <a:rPr lang="it-CH" dirty="0" smtClean="0"/>
-              <a:t>Navigazione </a:t>
-            </a:r>
-            <a:r>
-              <a:rPr lang="it-CH" dirty="0"/>
-              <a:t>e confronto giocatori</a:t>
-            </a:r>
-          </a:p>
-          <a:p>
-            <a:pPr lvl="1"/>
+              <a:t>Header</a:t>
+            </a:r>
+            <a:r>
+              <a:rPr lang="it-CH" dirty="0" smtClean="0"/>
+              <a:t> file</a:t>
+            </a:r>
+            <a:endParaRPr lang="it-CH" dirty="0"/>
+          </a:p>
+        </p:txBody>
+      </p:sp>
+      <p:sp>
+        <p:nvSpPr>
+          <p:cNvPr id="15" name="Segnaposto contenuto 2"/>
+          <p:cNvSpPr txBox="1">
+            <a:spLocks/>
+          </p:cNvSpPr>
+          <p:nvPr/>
+        </p:nvSpPr>
+        <p:spPr>
+          <a:xfrm>
+            <a:off x="838200" y="4321771"/>
+            <a:ext cx="10196384" cy="403655"/>
+          </a:xfrm>
+          <a:prstGeom prst="rect">
+            <a:avLst/>
+          </a:prstGeom>
+        </p:spPr>
+        <p:txBody>
+          <a:bodyPr vert="horz" lIns="91440" tIns="45720" rIns="91440" bIns="45720" rtlCol="0">
+            <a:normAutofit fontScale="92500" lnSpcReduction="20000"/>
+          </a:bodyPr>
+          <a:lstStyle>
+            <a:lvl1pPr marL="228600" indent="-228600" algn="l" defTabSz="914400" rtl="0" eaLnBrk="1" latinLnBrk="0" hangingPunct="1">
+              <a:lnSpc>
+                <a:spcPct val="90000"/>
+              </a:lnSpc>
+              <a:spcBef>
+                <a:spcPts val="1000"/>
+              </a:spcBef>
+              <a:buFont typeface="Arial" panose="020B0604020202020204" pitchFamily="34" charset="0"/>
+              <a:buChar char="•"/>
+              <a:defRPr sz="2800" kern="1200">
+                <a:solidFill>
+                  <a:schemeClr val="tx1"/>
+                </a:solidFill>
+                <a:latin typeface="+mn-lt"/>
+                <a:ea typeface="+mn-ea"/>
+                <a:cs typeface="+mn-cs"/>
+              </a:defRPr>
+            </a:lvl1pPr>
+            <a:lvl2pPr marL="685800" indent="-228600" algn="l" defTabSz="914400" rtl="0" eaLnBrk="1" latinLnBrk="0" hangingPunct="1">
+              <a:lnSpc>
+                <a:spcPct val="90000"/>
+              </a:lnSpc>
+              <a:spcBef>
+                <a:spcPts val="500"/>
+              </a:spcBef>
+              <a:buFont typeface="Arial" panose="020B0604020202020204" pitchFamily="34" charset="0"/>
+              <a:buChar char="•"/>
+              <a:defRPr sz="2400" kern="1200">
+                <a:solidFill>
+                  <a:schemeClr val="tx1"/>
+                </a:solidFill>
+                <a:latin typeface="+mn-lt"/>
+                <a:ea typeface="+mn-ea"/>
+                <a:cs typeface="+mn-cs"/>
+              </a:defRPr>
+            </a:lvl2pPr>
+            <a:lvl3pPr marL="1143000" indent="-228600" algn="l" defTabSz="914400" rtl="0" eaLnBrk="1" latinLnBrk="0" hangingPunct="1">
+              <a:lnSpc>
+                <a:spcPct val="90000"/>
+              </a:lnSpc>
+              <a:spcBef>
+                <a:spcPts val="500"/>
+              </a:spcBef>
+              <a:buFont typeface="Arial" panose="020B0604020202020204" pitchFamily="34" charset="0"/>
+              <a:buChar char="•"/>
+              <a:defRPr sz="2000" kern="1200">
+                <a:solidFill>
+                  <a:schemeClr val="tx1"/>
+                </a:solidFill>
+                <a:latin typeface="+mn-lt"/>
+                <a:ea typeface="+mn-ea"/>
+                <a:cs typeface="+mn-cs"/>
+              </a:defRPr>
+            </a:lvl3pPr>
+            <a:lvl4pPr marL="1600200" indent="-228600" algn="l" defTabSz="914400" rtl="0" eaLnBrk="1" latinLnBrk="0" hangingPunct="1">
+              <a:lnSpc>
+                <a:spcPct val="90000"/>
+              </a:lnSpc>
+              <a:spcBef>
+                <a:spcPts val="500"/>
+              </a:spcBef>
+              <a:buFont typeface="Arial" panose="020B0604020202020204" pitchFamily="34" charset="0"/>
+              <a:buChar char="•"/>
+              <a:defRPr sz="1800" kern="1200">
+                <a:solidFill>
+                  <a:schemeClr val="tx1"/>
+                </a:solidFill>
+                <a:latin typeface="+mn-lt"/>
+                <a:ea typeface="+mn-ea"/>
+                <a:cs typeface="+mn-cs"/>
+              </a:defRPr>
+            </a:lvl4pPr>
+            <a:lvl5pPr marL="2057400" indent="-228600" algn="l" defTabSz="914400" rtl="0" eaLnBrk="1" latinLnBrk="0" hangingPunct="1">
+              <a:lnSpc>
+                <a:spcPct val="90000"/>
+              </a:lnSpc>
+              <a:spcBef>
+                <a:spcPts val="500"/>
+              </a:spcBef>
+              <a:buFont typeface="Arial" panose="020B0604020202020204" pitchFamily="34" charset="0"/>
+              <a:buChar char="•"/>
+              <a:defRPr sz="1800" kern="1200">
+                <a:solidFill>
+                  <a:schemeClr val="tx1"/>
+                </a:solidFill>
+                <a:latin typeface="+mn-lt"/>
+                <a:ea typeface="+mn-ea"/>
+                <a:cs typeface="+mn-cs"/>
+              </a:defRPr>
+            </a:lvl5pPr>
+            <a:lvl6pPr marL="2514600" indent="-228600" algn="l" defTabSz="914400" rtl="0" eaLnBrk="1" latinLnBrk="0" hangingPunct="1">
+              <a:lnSpc>
+                <a:spcPct val="90000"/>
+              </a:lnSpc>
+              <a:spcBef>
+                <a:spcPts val="500"/>
+              </a:spcBef>
+              <a:buFont typeface="Arial" panose="020B0604020202020204" pitchFamily="34" charset="0"/>
+              <a:buChar char="•"/>
+              <a:defRPr sz="1800" kern="1200">
+                <a:solidFill>
+                  <a:schemeClr val="tx1"/>
+                </a:solidFill>
+                <a:latin typeface="+mn-lt"/>
+                <a:ea typeface="+mn-ea"/>
+                <a:cs typeface="+mn-cs"/>
+              </a:defRPr>
+            </a:lvl6pPr>
+            <a:lvl7pPr marL="2971800" indent="-228600" algn="l" defTabSz="914400" rtl="0" eaLnBrk="1" latinLnBrk="0" hangingPunct="1">
+              <a:lnSpc>
+                <a:spcPct val="90000"/>
+              </a:lnSpc>
+              <a:spcBef>
+                <a:spcPts val="500"/>
+              </a:spcBef>
+              <a:buFont typeface="Arial" panose="020B0604020202020204" pitchFamily="34" charset="0"/>
+              <a:buChar char="•"/>
+              <a:defRPr sz="1800" kern="1200">
+                <a:solidFill>
+                  <a:schemeClr val="tx1"/>
+                </a:solidFill>
+                <a:latin typeface="+mn-lt"/>
+                <a:ea typeface="+mn-ea"/>
+                <a:cs typeface="+mn-cs"/>
+              </a:defRPr>
+            </a:lvl7pPr>
+            <a:lvl8pPr marL="3429000" indent="-228600" algn="l" defTabSz="914400" rtl="0" eaLnBrk="1" latinLnBrk="0" hangingPunct="1">
+              <a:lnSpc>
+                <a:spcPct val="90000"/>
+              </a:lnSpc>
+              <a:spcBef>
+                <a:spcPts val="500"/>
+              </a:spcBef>
+              <a:buFont typeface="Arial" panose="020B0604020202020204" pitchFamily="34" charset="0"/>
+              <a:buChar char="•"/>
+              <a:defRPr sz="1800" kern="1200">
+                <a:solidFill>
+                  <a:schemeClr val="tx1"/>
+                </a:solidFill>
+                <a:latin typeface="+mn-lt"/>
+                <a:ea typeface="+mn-ea"/>
+                <a:cs typeface="+mn-cs"/>
+              </a:defRPr>
+            </a:lvl8pPr>
+            <a:lvl9pPr marL="3886200" indent="-228600" algn="l" defTabSz="914400" rtl="0" eaLnBrk="1" latinLnBrk="0" hangingPunct="1">
+              <a:lnSpc>
+                <a:spcPct val="90000"/>
+              </a:lnSpc>
+              <a:spcBef>
+                <a:spcPts val="500"/>
+              </a:spcBef>
+              <a:buFont typeface="Arial" panose="020B0604020202020204" pitchFamily="34" charset="0"/>
+              <a:buChar char="•"/>
+              <a:defRPr sz="1800" kern="1200">
+                <a:solidFill>
+                  <a:schemeClr val="tx1"/>
+                </a:solidFill>
+                <a:latin typeface="+mn-lt"/>
+                <a:ea typeface="+mn-ea"/>
+                <a:cs typeface="+mn-cs"/>
+              </a:defRPr>
+            </a:lvl9pPr>
+          </a:lstStyle>
+          <a:p>
+            <a:r>
+              <a:rPr lang="it-CH" dirty="0" smtClean="0"/>
+              <a:t>Osservazione</a:t>
+            </a:r>
             <a:endParaRPr lang="it-CH" dirty="0"/>
           </a:p>
         </p:txBody>
@@ -3613,7 +4680,7 @@
     </p:spTree>
     <p:extLst>
       <p:ext uri="{BB962C8B-B14F-4D97-AF65-F5344CB8AC3E}">
-        <p14:creationId xmlns:p14="http://schemas.microsoft.com/office/powerpoint/2010/main" val="361190838"/>
+        <p14:creationId xmlns:p14="http://schemas.microsoft.com/office/powerpoint/2010/main" val="4061317395"/>
       </p:ext>
     </p:extLst>
   </p:cSld>
@@ -3657,7 +4724,11 @@
           <a:p>
             <a:r>
               <a:rPr lang="it-CH" dirty="0" smtClean="0"/>
-              <a:t>Fonti</a:t>
+              <a:t>Server - </a:t>
+            </a:r>
+            <a:r>
+              <a:rPr lang="it-CH" dirty="0" err="1" smtClean="0"/>
+              <a:t>endpoint</a:t>
             </a:r>
             <a:endParaRPr lang="it-CH" dirty="0"/>
           </a:p>
@@ -3675,54 +4746,80 @@
         </p:nvSpPr>
         <p:spPr/>
         <p:txBody>
-          <a:bodyPr/>
-          <a:lstStyle/>
-          <a:p>
-            <a:r>
-              <a:rPr lang="it-CH" dirty="0">
-                <a:hlinkClick r:id="rId2"/>
-              </a:rPr>
-              <a:t>https://</a:t>
-            </a:r>
-            <a:r>
-              <a:rPr lang="it-CH" dirty="0" smtClean="0">
-                <a:hlinkClick r:id="rId2"/>
-              </a:rPr>
-              <a:t>www.kaggle.com/thec03u5/fifa-18-demo-player-dataset</a:t>
+          <a:bodyPr>
+            <a:normAutofit fontScale="92500" lnSpcReduction="10000"/>
+          </a:bodyPr>
+          <a:lstStyle/>
+          <a:p>
+            <a:r>
+              <a:rPr lang="it-CH" dirty="0" smtClean="0"/>
+              <a:t>Offerta end-</a:t>
+            </a:r>
+            <a:r>
+              <a:rPr lang="it-CH" dirty="0" err="1" smtClean="0"/>
+              <a:t>point</a:t>
             </a:r>
             <a:endParaRPr lang="it-CH" dirty="0" smtClean="0"/>
           </a:p>
           <a:p>
-            <a:r>
-              <a:rPr lang="it-CH" dirty="0">
-                <a:hlinkClick r:id="rId3"/>
-              </a:rPr>
-              <a:t>http://www.chartjs.org</a:t>
-            </a:r>
-            <a:r>
-              <a:rPr lang="it-CH" dirty="0" smtClean="0">
-                <a:hlinkClick r:id="rId3"/>
-              </a:rPr>
-              <a:t>/</a:t>
-            </a:r>
+            <a:pPr lvl="1"/>
+            <a:r>
+              <a:rPr lang="it-CH" dirty="0" smtClean="0"/>
+              <a:t>Ricerca per nome</a:t>
+            </a:r>
+          </a:p>
+          <a:p>
+            <a:pPr lvl="1"/>
+            <a:r>
+              <a:rPr lang="it-CH" dirty="0" smtClean="0"/>
+              <a:t>Ricerca per stipendio</a:t>
+            </a:r>
+          </a:p>
+          <a:p>
+            <a:pPr lvl="1"/>
+            <a:r>
+              <a:rPr lang="it-CH" dirty="0" smtClean="0"/>
+              <a:t>Ricerca per prezzo</a:t>
+            </a:r>
+          </a:p>
+          <a:p>
+            <a:pPr lvl="1"/>
+            <a:r>
+              <a:rPr lang="it-CH" dirty="0" smtClean="0"/>
+              <a:t>Ricerca per nazionalità</a:t>
+            </a:r>
+          </a:p>
+          <a:p>
+            <a:pPr lvl="1"/>
+            <a:r>
+              <a:rPr lang="it-CH" dirty="0" smtClean="0"/>
+              <a:t>Ricerca per ruolo</a:t>
+            </a:r>
+          </a:p>
+          <a:p>
+            <a:pPr lvl="1"/>
+            <a:r>
+              <a:rPr lang="it-CH" dirty="0" smtClean="0"/>
+              <a:t>Ricerca per miglior rapporto punti/prezzo</a:t>
+            </a:r>
+          </a:p>
+          <a:p>
+            <a:pPr lvl="1"/>
+            <a:endParaRPr lang="it-CH" dirty="0"/>
+          </a:p>
+          <a:p>
+            <a:pPr lvl="1"/>
             <a:endParaRPr lang="it-CH" dirty="0" smtClean="0"/>
           </a:p>
           <a:p>
-            <a:r>
-              <a:rPr lang="it-CH" dirty="0">
-                <a:hlinkClick r:id="rId4"/>
-              </a:rPr>
-              <a:t>https://</a:t>
-            </a:r>
-            <a:r>
-              <a:rPr lang="it-CH" dirty="0" smtClean="0">
-                <a:hlinkClick r:id="rId4"/>
-              </a:rPr>
-              <a:t>commons.apache.org/proper/commons-csv/apidocs/org/apache/commons/csv/CSVRecord.html</a:t>
-            </a:r>
-            <a:endParaRPr lang="it-CH" dirty="0" smtClean="0"/>
-          </a:p>
-          <a:p>
+            <a:pPr lvl="1"/>
+            <a:endParaRPr lang="it-CH" dirty="0"/>
+          </a:p>
+          <a:p>
+            <a:r>
+              <a:rPr lang="it-CH" dirty="0" smtClean="0"/>
+              <a:t>La maggior parte delle liste offerte ordinano i giocatori per somma dei punti totali, in questo modo in cima si trovano i giocatori più forti</a:t>
+            </a:r>
             <a:endParaRPr lang="it-CH" dirty="0"/>
           </a:p>
         </p:txBody>
@@ -3730,7 +4827,7 @@
     </p:spTree>
     <p:extLst>
       <p:ext uri="{BB962C8B-B14F-4D97-AF65-F5344CB8AC3E}">
-        <p14:creationId xmlns:p14="http://schemas.microsoft.com/office/powerpoint/2010/main" val="207876300"/>
+        <p14:creationId xmlns:p14="http://schemas.microsoft.com/office/powerpoint/2010/main" val="1642784649"/>
       </p:ext>
     </p:extLst>
   </p:cSld>
@@ -3772,7 +4869,15 @@
           <a:bodyPr/>
           <a:lstStyle/>
           <a:p>
-            <a:endParaRPr lang="it-CH"/>
+            <a:r>
+              <a:rPr lang="it-CH" dirty="0" smtClean="0"/>
+              <a:t>Client </a:t>
+            </a:r>
+            <a:r>
+              <a:rPr lang="it-CH" dirty="0" smtClean="0"/>
+              <a:t>– interrogazione e risposte</a:t>
+            </a:r>
+            <a:endParaRPr lang="it-CH" dirty="0"/>
           </a:p>
         </p:txBody>
       </p:sp>
@@ -3791,20 +4896,870 @@
           <a:bodyPr/>
           <a:lstStyle/>
           <a:p>
-            <a:endParaRPr lang="it-CH"/>
-          </a:p>
-        </p:txBody>
-      </p:sp>
+            <a:r>
+              <a:rPr lang="it-CH" dirty="0" smtClean="0"/>
+              <a:t>Interrogare </a:t>
+            </a:r>
+            <a:r>
+              <a:rPr lang="it-CH" dirty="0" smtClean="0"/>
+              <a:t>il </a:t>
+            </a:r>
+            <a:r>
+              <a:rPr lang="it-CH" dirty="0" smtClean="0"/>
+              <a:t>server (AJAX</a:t>
+            </a:r>
+            <a:r>
+              <a:rPr lang="it-CH" dirty="0" smtClean="0"/>
+              <a:t>)</a:t>
+            </a:r>
+          </a:p>
+          <a:p>
+            <a:endParaRPr lang="it-CH" dirty="0"/>
+          </a:p>
+          <a:p>
+            <a:endParaRPr lang="it-CH" dirty="0" smtClean="0"/>
+          </a:p>
+          <a:p>
+            <a:endParaRPr lang="it-CH" dirty="0" smtClean="0"/>
+          </a:p>
+          <a:p>
+            <a:r>
+              <a:rPr lang="it-CH" dirty="0" smtClean="0"/>
+              <a:t>Risposte</a:t>
+            </a:r>
+          </a:p>
+          <a:p>
+            <a:endParaRPr lang="it-CH" dirty="0" smtClean="0"/>
+          </a:p>
+          <a:p>
+            <a:pPr lvl="1"/>
+            <a:r>
+              <a:rPr lang="it-CH" dirty="0" smtClean="0"/>
+              <a:t>Liste</a:t>
+            </a:r>
+          </a:p>
+          <a:p>
+            <a:pPr lvl="1"/>
+            <a:endParaRPr lang="it-CH" dirty="0" smtClean="0"/>
+          </a:p>
+          <a:p>
+            <a:pPr lvl="1"/>
+            <a:r>
+              <a:rPr lang="it-CH" dirty="0" smtClean="0"/>
+              <a:t>Oggetti</a:t>
+            </a:r>
+            <a:endParaRPr lang="it-CH" dirty="0" smtClean="0"/>
+          </a:p>
+        </p:txBody>
+      </p:sp>
+      <p:sp>
+        <p:nvSpPr>
+          <p:cNvPr id="5" name="Rectangle 1"/>
+          <p:cNvSpPr>
+            <a:spLocks noChangeArrowheads="1"/>
+          </p:cNvSpPr>
+          <p:nvPr/>
+        </p:nvSpPr>
+        <p:spPr bwMode="auto">
+          <a:xfrm>
+            <a:off x="3496691" y="4803569"/>
+            <a:ext cx="6396303" cy="276999"/>
+          </a:xfrm>
+          <a:prstGeom prst="rect">
+            <a:avLst/>
+          </a:prstGeom>
+          <a:noFill/>
+          <a:ln w="9525">
+            <a:solidFill>
+              <a:schemeClr val="tx1"/>
+            </a:solidFill>
+            <a:miter lim="800000"/>
+            <a:headEnd/>
+            <a:tailEnd/>
+          </a:ln>
+          <a:effectLst/>
+          <a:extLst>
+            <a:ext uri="{909E8E84-426E-40DD-AFC4-6F175D3DCCD1}">
+              <a14:hiddenFill xmlns:a14="http://schemas.microsoft.com/office/drawing/2010/main">
+                <a:solidFill>
+                  <a:schemeClr val="accent1"/>
+                </a:solidFill>
+              </a14:hiddenFill>
+            </a:ext>
+            <a:ext uri="{AF507438-7753-43E0-B8FC-AC1667EBCBE1}">
+              <a14:hiddenEffects xmlns:a14="http://schemas.microsoft.com/office/drawing/2010/main">
+                <a:effectLst>
+                  <a:outerShdw dist="35921" dir="2700000" algn="ctr" rotWithShape="0">
+                    <a:schemeClr val="bg2"/>
+                  </a:outerShdw>
+                </a:effectLst>
+              </a14:hiddenEffects>
+            </a:ext>
+          </a:extLst>
+        </p:spPr>
+        <p:txBody>
+          <a:bodyPr vert="horz" wrap="none" lIns="91440" tIns="45720" rIns="91440" bIns="45720" numCol="1" anchor="ctr" anchorCtr="0" compatLnSpc="1">
+            <a:prstTxWarp prst="textNoShape">
+              <a:avLst/>
+            </a:prstTxWarp>
+            <a:spAutoFit/>
+          </a:bodyPr>
+          <a:lstStyle/>
+          <a:p>
+            <a:pPr marL="0" marR="0" lvl="0" indent="0" algn="l" defTabSz="914400" rtl="0" eaLnBrk="0" fontAlgn="base" latinLnBrk="0" hangingPunct="0">
+              <a:lnSpc>
+                <a:spcPct val="100000"/>
+              </a:lnSpc>
+              <a:spcBef>
+                <a:spcPct val="0"/>
+              </a:spcBef>
+              <a:spcAft>
+                <a:spcPct val="0"/>
+              </a:spcAft>
+              <a:buClrTx/>
+              <a:buSzTx/>
+              <a:buFontTx/>
+              <a:buNone/>
+              <a:tabLst/>
+            </a:pPr>
+            <a:r>
+              <a:rPr kumimoji="0" lang="it-CH" altLang="it-CH" sz="1200" b="0" i="0" u="none" strike="noStrike" cap="none" normalizeH="0" baseline="0" dirty="0" smtClean="0">
+                <a:ln>
+                  <a:noFill/>
+                </a:ln>
+                <a:solidFill>
+                  <a:schemeClr val="tx1"/>
+                </a:solidFill>
+                <a:effectLst/>
+                <a:latin typeface="Arial Unicode MS" panose="020B0604020202020204" pitchFamily="34" charset="-128"/>
+              </a:rPr>
+              <a:t>[ { "</a:t>
+            </a:r>
+            <a:r>
+              <a:rPr kumimoji="0" lang="it-CH" altLang="it-CH" sz="1200" b="0" i="0" u="none" strike="noStrike" cap="none" normalizeH="0" baseline="0" dirty="0" err="1" smtClean="0">
+                <a:ln>
+                  <a:noFill/>
+                </a:ln>
+                <a:solidFill>
+                  <a:schemeClr val="tx1"/>
+                </a:solidFill>
+                <a:effectLst/>
+                <a:latin typeface="Arial Unicode MS" panose="020B0604020202020204" pitchFamily="34" charset="-128"/>
+              </a:rPr>
+              <a:t>myId</a:t>
+            </a:r>
+            <a:r>
+              <a:rPr kumimoji="0" lang="it-CH" altLang="it-CH" sz="1200" b="0" i="0" u="none" strike="noStrike" cap="none" normalizeH="0" baseline="0" dirty="0" smtClean="0">
+                <a:ln>
+                  <a:noFill/>
+                </a:ln>
+                <a:solidFill>
+                  <a:schemeClr val="tx1"/>
+                </a:solidFill>
+                <a:effectLst/>
+                <a:latin typeface="Arial Unicode MS" panose="020B0604020202020204" pitchFamily="34" charset="-128"/>
+              </a:rPr>
+              <a:t>": 1, "</a:t>
+            </a:r>
+            <a:r>
+              <a:rPr kumimoji="0" lang="it-CH" altLang="it-CH" sz="1200" b="0" i="0" u="none" strike="noStrike" cap="none" normalizeH="0" baseline="0" dirty="0" err="1" smtClean="0">
+                <a:ln>
+                  <a:noFill/>
+                </a:ln>
+                <a:solidFill>
+                  <a:schemeClr val="tx1"/>
+                </a:solidFill>
+                <a:effectLst/>
+                <a:latin typeface="Arial Unicode MS" panose="020B0604020202020204" pitchFamily="34" charset="-128"/>
+              </a:rPr>
+              <a:t>name</a:t>
+            </a:r>
+            <a:r>
+              <a:rPr kumimoji="0" lang="it-CH" altLang="it-CH" sz="1200" b="0" i="0" u="none" strike="noStrike" cap="none" normalizeH="0" baseline="0" dirty="0" smtClean="0">
+                <a:ln>
+                  <a:noFill/>
+                </a:ln>
+                <a:solidFill>
+                  <a:schemeClr val="tx1"/>
+                </a:solidFill>
+                <a:effectLst/>
+                <a:latin typeface="Arial Unicode MS" panose="020B0604020202020204" pitchFamily="34" charset="-128"/>
+              </a:rPr>
+              <a:t>": "L. Messi", "</a:t>
+            </a:r>
+            <a:r>
+              <a:rPr kumimoji="0" lang="it-CH" altLang="it-CH" sz="1200" b="0" i="0" u="none" strike="noStrike" cap="none" normalizeH="0" baseline="0" dirty="0" err="1" smtClean="0">
+                <a:ln>
+                  <a:noFill/>
+                </a:ln>
+                <a:solidFill>
+                  <a:schemeClr val="tx1"/>
+                </a:solidFill>
+                <a:effectLst/>
+                <a:latin typeface="Arial Unicode MS" panose="020B0604020202020204" pitchFamily="34" charset="-128"/>
+              </a:rPr>
+              <a:t>age</a:t>
+            </a:r>
+            <a:r>
+              <a:rPr kumimoji="0" lang="it-CH" altLang="it-CH" sz="1200" b="0" i="0" u="none" strike="noStrike" cap="none" normalizeH="0" baseline="0" dirty="0" smtClean="0">
+                <a:ln>
+                  <a:noFill/>
+                </a:ln>
+                <a:solidFill>
+                  <a:schemeClr val="tx1"/>
+                </a:solidFill>
+                <a:effectLst/>
+                <a:latin typeface="Arial Unicode MS" panose="020B0604020202020204" pitchFamily="34" charset="-128"/>
+              </a:rPr>
+              <a:t>": 30, "</a:t>
+            </a:r>
+            <a:r>
+              <a:rPr kumimoji="0" lang="it-CH" altLang="it-CH" sz="1200" b="0" i="0" u="none" strike="noStrike" cap="none" normalizeH="0" baseline="0" dirty="0" err="1" smtClean="0">
+                <a:ln>
+                  <a:noFill/>
+                </a:ln>
+                <a:solidFill>
+                  <a:schemeClr val="tx1"/>
+                </a:solidFill>
+                <a:effectLst/>
+                <a:latin typeface="Arial Unicode MS" panose="020B0604020202020204" pitchFamily="34" charset="-128"/>
+              </a:rPr>
+              <a:t>nationality</a:t>
+            </a:r>
+            <a:r>
+              <a:rPr kumimoji="0" lang="it-CH" altLang="it-CH" sz="1200" b="0" i="0" u="none" strike="noStrike" cap="none" normalizeH="0" baseline="0" dirty="0" smtClean="0">
+                <a:ln>
+                  <a:noFill/>
+                </a:ln>
+                <a:solidFill>
+                  <a:schemeClr val="tx1"/>
+                </a:solidFill>
+                <a:effectLst/>
+                <a:latin typeface="Arial Unicode MS" panose="020B0604020202020204" pitchFamily="34" charset="-128"/>
+              </a:rPr>
+              <a:t>": "Argentina", ,,,,, , dribbling": 97 },..</a:t>
+            </a:r>
+            <a:r>
+              <a:rPr kumimoji="0" lang="it-CH" altLang="it-CH" sz="1200" b="0" i="0" u="none" strike="noStrike" cap="none" normalizeH="0" baseline="0" dirty="0" smtClean="0">
+                <a:ln>
+                  <a:noFill/>
+                </a:ln>
+                <a:solidFill>
+                  <a:schemeClr val="tx1"/>
+                </a:solidFill>
+                <a:effectLst/>
+              </a:rPr>
+              <a:t> ]</a:t>
+            </a:r>
+            <a:endParaRPr kumimoji="0" lang="it-CH" altLang="it-CH" sz="1200" b="0" i="0" u="none" strike="noStrike" cap="none" normalizeH="0" baseline="0" dirty="0" smtClean="0">
+              <a:ln>
+                <a:noFill/>
+              </a:ln>
+              <a:solidFill>
+                <a:schemeClr val="tx1"/>
+              </a:solidFill>
+              <a:effectLst/>
+              <a:latin typeface="Arial" panose="020B0604020202020204" pitchFamily="34" charset="0"/>
+            </a:endParaRPr>
+          </a:p>
+        </p:txBody>
+      </p:sp>
+      <p:sp>
+        <p:nvSpPr>
+          <p:cNvPr id="6" name="Rectangle 1"/>
+          <p:cNvSpPr>
+            <a:spLocks noChangeArrowheads="1"/>
+          </p:cNvSpPr>
+          <p:nvPr/>
+        </p:nvSpPr>
+        <p:spPr bwMode="auto">
+          <a:xfrm>
+            <a:off x="3496690" y="5792131"/>
+            <a:ext cx="6218809" cy="276999"/>
+          </a:xfrm>
+          <a:prstGeom prst="rect">
+            <a:avLst/>
+          </a:prstGeom>
+          <a:noFill/>
+          <a:ln w="9525">
+            <a:solidFill>
+              <a:schemeClr val="tx1"/>
+            </a:solidFill>
+            <a:miter lim="800000"/>
+            <a:headEnd/>
+            <a:tailEnd/>
+          </a:ln>
+          <a:effectLst/>
+          <a:extLst>
+            <a:ext uri="{909E8E84-426E-40DD-AFC4-6F175D3DCCD1}">
+              <a14:hiddenFill xmlns:a14="http://schemas.microsoft.com/office/drawing/2010/main">
+                <a:solidFill>
+                  <a:schemeClr val="accent1"/>
+                </a:solidFill>
+              </a14:hiddenFill>
+            </a:ext>
+            <a:ext uri="{AF507438-7753-43E0-B8FC-AC1667EBCBE1}">
+              <a14:hiddenEffects xmlns:a14="http://schemas.microsoft.com/office/drawing/2010/main">
+                <a:effectLst>
+                  <a:outerShdw dist="35921" dir="2700000" algn="ctr" rotWithShape="0">
+                    <a:schemeClr val="bg2"/>
+                  </a:outerShdw>
+                </a:effectLst>
+              </a14:hiddenEffects>
+            </a:ext>
+          </a:extLst>
+        </p:spPr>
+        <p:txBody>
+          <a:bodyPr vert="horz" wrap="square" lIns="91440" tIns="45720" rIns="91440" bIns="45720" numCol="1" anchor="ctr" anchorCtr="0" compatLnSpc="1">
+            <a:prstTxWarp prst="textNoShape">
+              <a:avLst/>
+            </a:prstTxWarp>
+            <a:spAutoFit/>
+          </a:bodyPr>
+          <a:lstStyle/>
+          <a:p>
+            <a:pPr marL="0" marR="0" lvl="0" indent="0" algn="l" defTabSz="914400" rtl="0" eaLnBrk="0" fontAlgn="base" latinLnBrk="0" hangingPunct="0">
+              <a:lnSpc>
+                <a:spcPct val="100000"/>
+              </a:lnSpc>
+              <a:spcBef>
+                <a:spcPct val="0"/>
+              </a:spcBef>
+              <a:spcAft>
+                <a:spcPct val="0"/>
+              </a:spcAft>
+              <a:buClrTx/>
+              <a:buSzTx/>
+              <a:buFontTx/>
+              <a:buNone/>
+              <a:tabLst/>
+            </a:pPr>
+            <a:r>
+              <a:rPr kumimoji="0" lang="it-CH" altLang="it-CH" sz="1200" b="0" i="0" u="none" strike="noStrike" cap="none" normalizeH="0" baseline="0" dirty="0" smtClean="0">
+                <a:ln>
+                  <a:noFill/>
+                </a:ln>
+                <a:solidFill>
+                  <a:schemeClr val="tx1"/>
+                </a:solidFill>
+                <a:effectLst/>
+                <a:latin typeface="Arial Unicode MS" panose="020B0604020202020204" pitchFamily="34" charset="-128"/>
+              </a:rPr>
+              <a:t>{ "</a:t>
+            </a:r>
+            <a:r>
+              <a:rPr kumimoji="0" lang="it-CH" altLang="it-CH" sz="1200" b="0" i="0" u="none" strike="noStrike" cap="none" normalizeH="0" baseline="0" dirty="0" err="1" smtClean="0">
+                <a:ln>
+                  <a:noFill/>
+                </a:ln>
+                <a:solidFill>
+                  <a:schemeClr val="tx1"/>
+                </a:solidFill>
+                <a:effectLst/>
+                <a:latin typeface="Arial Unicode MS" panose="020B0604020202020204" pitchFamily="34" charset="-128"/>
+              </a:rPr>
+              <a:t>myId</a:t>
+            </a:r>
+            <a:r>
+              <a:rPr kumimoji="0" lang="it-CH" altLang="it-CH" sz="1200" b="0" i="0" u="none" strike="noStrike" cap="none" normalizeH="0" baseline="0" dirty="0" smtClean="0">
+                <a:ln>
+                  <a:noFill/>
+                </a:ln>
+                <a:solidFill>
+                  <a:schemeClr val="tx1"/>
+                </a:solidFill>
+                <a:effectLst/>
+                <a:latin typeface="Arial Unicode MS" panose="020B0604020202020204" pitchFamily="34" charset="-128"/>
+              </a:rPr>
+              <a:t>": 1, "</a:t>
+            </a:r>
+            <a:r>
+              <a:rPr kumimoji="0" lang="it-CH" altLang="it-CH" sz="1200" b="0" i="0" u="none" strike="noStrike" cap="none" normalizeH="0" baseline="0" dirty="0" err="1" smtClean="0">
+                <a:ln>
+                  <a:noFill/>
+                </a:ln>
+                <a:solidFill>
+                  <a:schemeClr val="tx1"/>
+                </a:solidFill>
+                <a:effectLst/>
+                <a:latin typeface="Arial Unicode MS" panose="020B0604020202020204" pitchFamily="34" charset="-128"/>
+              </a:rPr>
+              <a:t>name</a:t>
+            </a:r>
+            <a:r>
+              <a:rPr kumimoji="0" lang="it-CH" altLang="it-CH" sz="1200" b="0" i="0" u="none" strike="noStrike" cap="none" normalizeH="0" baseline="0" dirty="0" smtClean="0">
+                <a:ln>
+                  <a:noFill/>
+                </a:ln>
+                <a:solidFill>
+                  <a:schemeClr val="tx1"/>
+                </a:solidFill>
+                <a:effectLst/>
+                <a:latin typeface="Arial Unicode MS" panose="020B0604020202020204" pitchFamily="34" charset="-128"/>
+              </a:rPr>
+              <a:t>": "L. Messi", "</a:t>
+            </a:r>
+            <a:r>
+              <a:rPr kumimoji="0" lang="it-CH" altLang="it-CH" sz="1200" b="0" i="0" u="none" strike="noStrike" cap="none" normalizeH="0" baseline="0" dirty="0" err="1" smtClean="0">
+                <a:ln>
+                  <a:noFill/>
+                </a:ln>
+                <a:solidFill>
+                  <a:schemeClr val="tx1"/>
+                </a:solidFill>
+                <a:effectLst/>
+                <a:latin typeface="Arial Unicode MS" panose="020B0604020202020204" pitchFamily="34" charset="-128"/>
+              </a:rPr>
+              <a:t>age</a:t>
+            </a:r>
+            <a:r>
+              <a:rPr kumimoji="0" lang="it-CH" altLang="it-CH" sz="1200" b="0" i="0" u="none" strike="noStrike" cap="none" normalizeH="0" baseline="0" dirty="0" smtClean="0">
+                <a:ln>
+                  <a:noFill/>
+                </a:ln>
+                <a:solidFill>
+                  <a:schemeClr val="tx1"/>
+                </a:solidFill>
+                <a:effectLst/>
+                <a:latin typeface="Arial Unicode MS" panose="020B0604020202020204" pitchFamily="34" charset="-128"/>
+              </a:rPr>
+              <a:t>": 30, "</a:t>
+            </a:r>
+            <a:r>
+              <a:rPr kumimoji="0" lang="it-CH" altLang="it-CH" sz="1200" b="0" i="0" u="none" strike="noStrike" cap="none" normalizeH="0" baseline="0" dirty="0" err="1" smtClean="0">
+                <a:ln>
+                  <a:noFill/>
+                </a:ln>
+                <a:solidFill>
+                  <a:schemeClr val="tx1"/>
+                </a:solidFill>
+                <a:effectLst/>
+                <a:latin typeface="Arial Unicode MS" panose="020B0604020202020204" pitchFamily="34" charset="-128"/>
+              </a:rPr>
+              <a:t>nationality</a:t>
+            </a:r>
+            <a:r>
+              <a:rPr kumimoji="0" lang="it-CH" altLang="it-CH" sz="1200" b="0" i="0" u="none" strike="noStrike" cap="none" normalizeH="0" baseline="0" dirty="0" smtClean="0">
+                <a:ln>
+                  <a:noFill/>
+                </a:ln>
+                <a:solidFill>
+                  <a:schemeClr val="tx1"/>
+                </a:solidFill>
+                <a:effectLst/>
+                <a:latin typeface="Arial Unicode MS" panose="020B0604020202020204" pitchFamily="34" charset="-128"/>
+              </a:rPr>
+              <a:t>": "Argentina", ,,,,, , dribbling": 97 }</a:t>
+            </a:r>
+            <a:endParaRPr kumimoji="0" lang="it-CH" altLang="it-CH" sz="2800" b="0" i="0" u="none" strike="noStrike" cap="none" normalizeH="0" baseline="0" dirty="0" smtClean="0">
+              <a:ln>
+                <a:noFill/>
+              </a:ln>
+              <a:solidFill>
+                <a:schemeClr val="tx1"/>
+              </a:solidFill>
+              <a:effectLst/>
+              <a:latin typeface="Arial" panose="020B0604020202020204" pitchFamily="34" charset="0"/>
+            </a:endParaRPr>
+          </a:p>
+        </p:txBody>
+      </p:sp>
+      <p:pic>
+        <p:nvPicPr>
+          <p:cNvPr id="7" name="Immagine 6"/>
+          <p:cNvPicPr>
+            <a:picLocks noChangeAspect="1"/>
+          </p:cNvPicPr>
+          <p:nvPr/>
+        </p:nvPicPr>
+        <p:blipFill>
+          <a:blip r:embed="rId2">
+            <a:extLst>
+              <a:ext uri="{28A0092B-C50C-407E-A947-70E740481C1C}">
+                <a14:useLocalDpi xmlns:a14="http://schemas.microsoft.com/office/drawing/2010/main" val="0"/>
+              </a:ext>
+            </a:extLst>
+          </a:blip>
+          <a:stretch>
+            <a:fillRect/>
+          </a:stretch>
+        </p:blipFill>
+        <p:spPr>
+          <a:xfrm>
+            <a:off x="6885980" y="1611313"/>
+            <a:ext cx="4467820" cy="2398623"/>
+          </a:xfrm>
+          <a:prstGeom prst="rect">
+            <a:avLst/>
+          </a:prstGeom>
+          <a:ln>
+            <a:solidFill>
+              <a:schemeClr val="tx1"/>
+            </a:solidFill>
+          </a:ln>
+        </p:spPr>
+      </p:pic>
     </p:spTree>
     <p:extLst>
       <p:ext uri="{BB962C8B-B14F-4D97-AF65-F5344CB8AC3E}">
-        <p14:creationId xmlns:p14="http://schemas.microsoft.com/office/powerpoint/2010/main" val="3691508627"/>
+        <p14:creationId xmlns:p14="http://schemas.microsoft.com/office/powerpoint/2010/main" val="361190838"/>
       </p:ext>
     </p:extLst>
   </p:cSld>
   <p:clrMapOvr>
     <a:masterClrMapping/>
   </p:clrMapOvr>
+  <p:timing>
+    <p:tnLst>
+      <p:par>
+        <p:cTn id="1" dur="indefinite" restart="never" nodeType="tmRoot"/>
+      </p:par>
+    </p:tnLst>
+  </p:timing>
+</p:sld>
+</file>
+
+<file path=ppt/slides/slide8.xml><?xml version="1.0" encoding="utf-8"?>
+<p:sld xmlns:a="http://schemas.openxmlformats.org/drawingml/2006/main" xmlns:r="http://schemas.openxmlformats.org/officeDocument/2006/relationships" xmlns:p="http://schemas.openxmlformats.org/presentationml/2006/main">
+  <p:cSld>
+    <p:spTree>
+      <p:nvGrpSpPr>
+        <p:cNvPr id="1" name=""/>
+        <p:cNvGrpSpPr/>
+        <p:nvPr/>
+      </p:nvGrpSpPr>
+      <p:grpSpPr>
+        <a:xfrm>
+          <a:off x="0" y="0"/>
+          <a:ext cx="0" cy="0"/>
+          <a:chOff x="0" y="0"/>
+          <a:chExt cx="0" cy="0"/>
+        </a:xfrm>
+      </p:grpSpPr>
+      <p:sp>
+        <p:nvSpPr>
+          <p:cNvPr id="2" name="Titolo 1"/>
+          <p:cNvSpPr>
+            <a:spLocks noGrp="1"/>
+          </p:cNvSpPr>
+          <p:nvPr>
+            <p:ph type="title"/>
+          </p:nvPr>
+        </p:nvSpPr>
+        <p:spPr/>
+        <p:txBody>
+          <a:bodyPr/>
+          <a:lstStyle/>
+          <a:p>
+            <a:r>
+              <a:rPr lang="it-CH" dirty="0" smtClean="0"/>
+              <a:t>Client - plot</a:t>
+            </a:r>
+            <a:endParaRPr lang="it-CH" dirty="0"/>
+          </a:p>
+        </p:txBody>
+      </p:sp>
+      <p:sp>
+        <p:nvSpPr>
+          <p:cNvPr id="3" name="Segnaposto contenuto 2"/>
+          <p:cNvSpPr>
+            <a:spLocks noGrp="1"/>
+          </p:cNvSpPr>
+          <p:nvPr>
+            <p:ph idx="1"/>
+          </p:nvPr>
+        </p:nvSpPr>
+        <p:spPr/>
+        <p:txBody>
+          <a:bodyPr/>
+          <a:lstStyle/>
+          <a:p>
+            <a:r>
+              <a:rPr lang="it-CH" dirty="0" smtClean="0"/>
+              <a:t>Analizzare richieste e plot</a:t>
+            </a:r>
+          </a:p>
+          <a:p>
+            <a:pPr lvl="1"/>
+            <a:r>
+              <a:rPr lang="it-CH" dirty="0" smtClean="0"/>
+              <a:t>Plot (</a:t>
+            </a:r>
+            <a:r>
+              <a:rPr lang="it-CH" dirty="0" err="1" smtClean="0"/>
+              <a:t>ChartJS</a:t>
+            </a:r>
+            <a:r>
+              <a:rPr lang="it-CH" dirty="0" smtClean="0"/>
+              <a:t>) dati e statistiche</a:t>
+            </a:r>
+          </a:p>
+          <a:p>
+            <a:pPr lvl="1"/>
+            <a:r>
+              <a:rPr lang="it-CH" dirty="0" smtClean="0"/>
+              <a:t>Navigazione e confronto giocatori</a:t>
+            </a:r>
+          </a:p>
+          <a:p>
+            <a:pPr lvl="1"/>
+            <a:endParaRPr lang="it-CH" dirty="0"/>
+          </a:p>
+        </p:txBody>
+      </p:sp>
+      <p:pic>
+        <p:nvPicPr>
+          <p:cNvPr id="4" name="Immagine 3"/>
+          <p:cNvPicPr>
+            <a:picLocks noChangeAspect="1"/>
+          </p:cNvPicPr>
+          <p:nvPr/>
+        </p:nvPicPr>
+        <p:blipFill>
+          <a:blip r:embed="rId2" cstate="print">
+            <a:extLst>
+              <a:ext uri="{28A0092B-C50C-407E-A947-70E740481C1C}">
+                <a14:useLocalDpi xmlns:a14="http://schemas.microsoft.com/office/drawing/2010/main" val="0"/>
+              </a:ext>
+            </a:extLst>
+          </a:blip>
+          <a:stretch>
+            <a:fillRect/>
+          </a:stretch>
+        </p:blipFill>
+        <p:spPr>
+          <a:xfrm>
+            <a:off x="838200" y="4111328"/>
+            <a:ext cx="4114800" cy="2065636"/>
+          </a:xfrm>
+          <a:prstGeom prst="rect">
+            <a:avLst/>
+          </a:prstGeom>
+          <a:ln>
+            <a:solidFill>
+              <a:schemeClr val="tx1"/>
+            </a:solidFill>
+          </a:ln>
+        </p:spPr>
+      </p:pic>
+      <p:pic>
+        <p:nvPicPr>
+          <p:cNvPr id="5" name="Immagine 4"/>
+          <p:cNvPicPr>
+            <a:picLocks noChangeAspect="1"/>
+          </p:cNvPicPr>
+          <p:nvPr/>
+        </p:nvPicPr>
+        <p:blipFill>
+          <a:blip r:embed="rId3">
+            <a:extLst>
+              <a:ext uri="{28A0092B-C50C-407E-A947-70E740481C1C}">
+                <a14:useLocalDpi xmlns:a14="http://schemas.microsoft.com/office/drawing/2010/main" val="0"/>
+              </a:ext>
+            </a:extLst>
+          </a:blip>
+          <a:stretch>
+            <a:fillRect/>
+          </a:stretch>
+        </p:blipFill>
+        <p:spPr>
+          <a:xfrm>
+            <a:off x="6680200" y="1739641"/>
+            <a:ext cx="4673601" cy="4437322"/>
+          </a:xfrm>
+          <a:prstGeom prst="rect">
+            <a:avLst/>
+          </a:prstGeom>
+          <a:ln>
+            <a:solidFill>
+              <a:schemeClr val="tx1"/>
+            </a:solidFill>
+          </a:ln>
+        </p:spPr>
+      </p:pic>
+    </p:spTree>
+    <p:extLst>
+      <p:ext uri="{BB962C8B-B14F-4D97-AF65-F5344CB8AC3E}">
+        <p14:creationId xmlns:p14="http://schemas.microsoft.com/office/powerpoint/2010/main" val="1093994289"/>
+      </p:ext>
+    </p:extLst>
+  </p:cSld>
+  <p:clrMapOvr>
+    <a:masterClrMapping/>
+  </p:clrMapOvr>
+  <p:timing>
+    <p:tnLst>
+      <p:par>
+        <p:cTn id="1" dur="indefinite" restart="never" nodeType="tmRoot"/>
+      </p:par>
+    </p:tnLst>
+  </p:timing>
+</p:sld>
+</file>
+
+<file path=ppt/slides/slide9.xml><?xml version="1.0" encoding="utf-8"?>
+<p:sld xmlns:a="http://schemas.openxmlformats.org/drawingml/2006/main" xmlns:r="http://schemas.openxmlformats.org/officeDocument/2006/relationships" xmlns:p="http://schemas.openxmlformats.org/presentationml/2006/main">
+  <p:cSld>
+    <p:spTree>
+      <p:nvGrpSpPr>
+        <p:cNvPr id="1" name=""/>
+        <p:cNvGrpSpPr/>
+        <p:nvPr/>
+      </p:nvGrpSpPr>
+      <p:grpSpPr>
+        <a:xfrm>
+          <a:off x="0" y="0"/>
+          <a:ext cx="0" cy="0"/>
+          <a:chOff x="0" y="0"/>
+          <a:chExt cx="0" cy="0"/>
+        </a:xfrm>
+      </p:grpSpPr>
+      <p:sp>
+        <p:nvSpPr>
+          <p:cNvPr id="2" name="Titolo 1"/>
+          <p:cNvSpPr>
+            <a:spLocks noGrp="1"/>
+          </p:cNvSpPr>
+          <p:nvPr>
+            <p:ph type="title"/>
+          </p:nvPr>
+        </p:nvSpPr>
+        <p:spPr/>
+        <p:txBody>
+          <a:bodyPr/>
+          <a:lstStyle/>
+          <a:p>
+            <a:r>
+              <a:rPr lang="it-CH" dirty="0" smtClean="0"/>
+              <a:t>Client </a:t>
+            </a:r>
+            <a:r>
+              <a:rPr lang="it-CH" dirty="0" smtClean="0"/>
+              <a:t>- </a:t>
+            </a:r>
+            <a:r>
+              <a:rPr lang="it-CH" dirty="0" err="1"/>
+              <a:t>C</a:t>
+            </a:r>
+            <a:r>
+              <a:rPr lang="it-CH" dirty="0" err="1" smtClean="0"/>
+              <a:t>hartJS</a:t>
+            </a:r>
+            <a:endParaRPr lang="it-CH" dirty="0"/>
+          </a:p>
+        </p:txBody>
+      </p:sp>
+      <p:sp>
+        <p:nvSpPr>
+          <p:cNvPr id="3" name="Segnaposto contenuto 2"/>
+          <p:cNvSpPr>
+            <a:spLocks noGrp="1"/>
+          </p:cNvSpPr>
+          <p:nvPr>
+            <p:ph idx="1"/>
+          </p:nvPr>
+        </p:nvSpPr>
+        <p:spPr/>
+        <p:txBody>
+          <a:bodyPr/>
+          <a:lstStyle/>
+          <a:p>
+            <a:r>
+              <a:rPr lang="it-CH" dirty="0" smtClean="0"/>
+              <a:t>Installazione</a:t>
+            </a:r>
+          </a:p>
+          <a:p>
+            <a:pPr lvl="1"/>
+            <a:r>
+              <a:rPr lang="it-CH" dirty="0" err="1" smtClean="0"/>
+              <a:t>Npm</a:t>
+            </a:r>
+            <a:r>
+              <a:rPr lang="it-CH" dirty="0" smtClean="0"/>
+              <a:t> </a:t>
+            </a:r>
+            <a:r>
+              <a:rPr lang="it-CH" dirty="0" err="1" smtClean="0"/>
+              <a:t>install</a:t>
+            </a:r>
+            <a:r>
+              <a:rPr lang="it-CH" dirty="0" smtClean="0"/>
+              <a:t> chart.js --</a:t>
+            </a:r>
+            <a:r>
+              <a:rPr lang="it-CH" dirty="0" err="1" smtClean="0"/>
+              <a:t>save</a:t>
+            </a:r>
+            <a:endParaRPr lang="it-CH" dirty="0" smtClean="0"/>
+          </a:p>
+          <a:p>
+            <a:endParaRPr lang="it-CH" dirty="0"/>
+          </a:p>
+          <a:p>
+            <a:endParaRPr lang="it-CH" dirty="0" smtClean="0"/>
+          </a:p>
+          <a:p>
+            <a:r>
+              <a:rPr lang="it-CH" dirty="0" smtClean="0"/>
+              <a:t>Utilizzo</a:t>
+            </a:r>
+            <a:endParaRPr lang="it-CH" dirty="0"/>
+          </a:p>
+        </p:txBody>
+      </p:sp>
+      <p:pic>
+        <p:nvPicPr>
+          <p:cNvPr id="5" name="Immagine 4"/>
+          <p:cNvPicPr>
+            <a:picLocks noChangeAspect="1"/>
+          </p:cNvPicPr>
+          <p:nvPr/>
+        </p:nvPicPr>
+        <p:blipFill>
+          <a:blip r:embed="rId2">
+            <a:extLst>
+              <a:ext uri="{28A0092B-C50C-407E-A947-70E740481C1C}">
+                <a14:useLocalDpi xmlns:a14="http://schemas.microsoft.com/office/drawing/2010/main" val="0"/>
+              </a:ext>
+            </a:extLst>
+          </a:blip>
+          <a:stretch>
+            <a:fillRect/>
+          </a:stretch>
+        </p:blipFill>
+        <p:spPr>
+          <a:xfrm>
+            <a:off x="7321340" y="1391606"/>
+            <a:ext cx="4032460" cy="4785357"/>
+          </a:xfrm>
+          <a:prstGeom prst="rect">
+            <a:avLst/>
+          </a:prstGeom>
+          <a:ln>
+            <a:solidFill>
+              <a:schemeClr val="tx1"/>
+            </a:solidFill>
+          </a:ln>
+        </p:spPr>
+      </p:pic>
+    </p:spTree>
+    <p:extLst>
+      <p:ext uri="{BB962C8B-B14F-4D97-AF65-F5344CB8AC3E}">
+        <p14:creationId xmlns:p14="http://schemas.microsoft.com/office/powerpoint/2010/main" val="180552308"/>
+      </p:ext>
+    </p:extLst>
+  </p:cSld>
+  <p:clrMapOvr>
+    <a:masterClrMapping/>
+  </p:clrMapOvr>
+  <p:timing>
+    <p:tnLst>
+      <p:par>
+        <p:cTn id="1" dur="indefinite" restart="never" nodeType="tmRoot"/>
+      </p:par>
+    </p:tnLst>
+  </p:timing>
 </p:sld>
 </file>
 

--- a/Applicazioni_Service_Oriented.pptx
+++ b/Applicazioni_Service_Oriented.pptx
@@ -7,16 +7,17 @@
   <p:sldIdLst>
     <p:sldId id="256" r:id="rId2"/>
     <p:sldId id="257" r:id="rId3"/>
-    <p:sldId id="260" r:id="rId4"/>
-    <p:sldId id="265" r:id="rId5"/>
-    <p:sldId id="264" r:id="rId6"/>
-    <p:sldId id="261" r:id="rId7"/>
-    <p:sldId id="259" r:id="rId8"/>
-    <p:sldId id="266" r:id="rId9"/>
-    <p:sldId id="267" r:id="rId10"/>
-    <p:sldId id="268" r:id="rId11"/>
-    <p:sldId id="258" r:id="rId12"/>
-    <p:sldId id="263" r:id="rId13"/>
+    <p:sldId id="269" r:id="rId4"/>
+    <p:sldId id="264" r:id="rId5"/>
+    <p:sldId id="260" r:id="rId6"/>
+    <p:sldId id="265" r:id="rId7"/>
+    <p:sldId id="261" r:id="rId8"/>
+    <p:sldId id="259" r:id="rId9"/>
+    <p:sldId id="266" r:id="rId10"/>
+    <p:sldId id="267" r:id="rId11"/>
+    <p:sldId id="268" r:id="rId12"/>
+    <p:sldId id="258" r:id="rId13"/>
+    <p:sldId id="263" r:id="rId14"/>
   </p:sldIdLst>
   <p:sldSz cx="12192000" cy="6858000"/>
   <p:notesSz cx="6858000" cy="9144000"/>
@@ -265,7 +266,7 @@
           <a:p>
             <a:fld id="{D86C9886-AEEA-47B5-B068-6C2782B32699}" type="datetimeFigureOut">
               <a:rPr lang="it-CH" smtClean="0"/>
-              <a:t>26.04.2018</a:t>
+              <a:t>02.05.2018</a:t>
             </a:fld>
             <a:endParaRPr lang="it-CH"/>
           </a:p>
@@ -435,7 +436,7 @@
           <a:p>
             <a:fld id="{D86C9886-AEEA-47B5-B068-6C2782B32699}" type="datetimeFigureOut">
               <a:rPr lang="it-CH" smtClean="0"/>
-              <a:t>26.04.2018</a:t>
+              <a:t>02.05.2018</a:t>
             </a:fld>
             <a:endParaRPr lang="it-CH"/>
           </a:p>
@@ -615,7 +616,7 @@
           <a:p>
             <a:fld id="{D86C9886-AEEA-47B5-B068-6C2782B32699}" type="datetimeFigureOut">
               <a:rPr lang="it-CH" smtClean="0"/>
-              <a:t>26.04.2018</a:t>
+              <a:t>02.05.2018</a:t>
             </a:fld>
             <a:endParaRPr lang="it-CH"/>
           </a:p>
@@ -785,7 +786,7 @@
           <a:p>
             <a:fld id="{D86C9886-AEEA-47B5-B068-6C2782B32699}" type="datetimeFigureOut">
               <a:rPr lang="it-CH" smtClean="0"/>
-              <a:t>26.04.2018</a:t>
+              <a:t>02.05.2018</a:t>
             </a:fld>
             <a:endParaRPr lang="it-CH"/>
           </a:p>
@@ -1031,7 +1032,7 @@
           <a:p>
             <a:fld id="{D86C9886-AEEA-47B5-B068-6C2782B32699}" type="datetimeFigureOut">
               <a:rPr lang="it-CH" smtClean="0"/>
-              <a:t>26.04.2018</a:t>
+              <a:t>02.05.2018</a:t>
             </a:fld>
             <a:endParaRPr lang="it-CH"/>
           </a:p>
@@ -1263,7 +1264,7 @@
           <a:p>
             <a:fld id="{D86C9886-AEEA-47B5-B068-6C2782B32699}" type="datetimeFigureOut">
               <a:rPr lang="it-CH" smtClean="0"/>
-              <a:t>26.04.2018</a:t>
+              <a:t>02.05.2018</a:t>
             </a:fld>
             <a:endParaRPr lang="it-CH"/>
           </a:p>
@@ -1630,7 +1631,7 @@
           <a:p>
             <a:fld id="{D86C9886-AEEA-47B5-B068-6C2782B32699}" type="datetimeFigureOut">
               <a:rPr lang="it-CH" smtClean="0"/>
-              <a:t>26.04.2018</a:t>
+              <a:t>02.05.2018</a:t>
             </a:fld>
             <a:endParaRPr lang="it-CH"/>
           </a:p>
@@ -1748,7 +1749,7 @@
           <a:p>
             <a:fld id="{D86C9886-AEEA-47B5-B068-6C2782B32699}" type="datetimeFigureOut">
               <a:rPr lang="it-CH" smtClean="0"/>
-              <a:t>26.04.2018</a:t>
+              <a:t>02.05.2018</a:t>
             </a:fld>
             <a:endParaRPr lang="it-CH"/>
           </a:p>
@@ -1843,7 +1844,7 @@
           <a:p>
             <a:fld id="{D86C9886-AEEA-47B5-B068-6C2782B32699}" type="datetimeFigureOut">
               <a:rPr lang="it-CH" smtClean="0"/>
-              <a:t>26.04.2018</a:t>
+              <a:t>02.05.2018</a:t>
             </a:fld>
             <a:endParaRPr lang="it-CH"/>
           </a:p>
@@ -2120,7 +2121,7 @@
           <a:p>
             <a:fld id="{D86C9886-AEEA-47B5-B068-6C2782B32699}" type="datetimeFigureOut">
               <a:rPr lang="it-CH" smtClean="0"/>
-              <a:t>26.04.2018</a:t>
+              <a:t>02.05.2018</a:t>
             </a:fld>
             <a:endParaRPr lang="it-CH"/>
           </a:p>
@@ -2373,7 +2374,7 @@
           <a:p>
             <a:fld id="{D86C9886-AEEA-47B5-B068-6C2782B32699}" type="datetimeFigureOut">
               <a:rPr lang="it-CH" smtClean="0"/>
-              <a:t>26.04.2018</a:t>
+              <a:t>02.05.2018</a:t>
             </a:fld>
             <a:endParaRPr lang="it-CH"/>
           </a:p>
@@ -2586,7 +2587,7 @@
           <a:p>
             <a:fld id="{D86C9886-AEEA-47B5-B068-6C2782B32699}" type="datetimeFigureOut">
               <a:rPr lang="it-CH" smtClean="0"/>
-              <a:t>26.04.2018</a:t>
+              <a:t>02.05.2018</a:t>
             </a:fld>
             <a:endParaRPr lang="it-CH"/>
           </a:p>
@@ -3092,7 +3093,15 @@
           <a:p>
             <a:r>
               <a:rPr lang="it-CH" dirty="0" smtClean="0"/>
-              <a:t>Problematiche</a:t>
+              <a:t>Client - </a:t>
+            </a:r>
+            <a:r>
+              <a:rPr lang="it-CH" dirty="0" err="1"/>
+              <a:t>C</a:t>
+            </a:r>
+            <a:r>
+              <a:rPr lang="it-CH" dirty="0" err="1" smtClean="0"/>
+              <a:t>hartJS</a:t>
             </a:r>
             <a:endParaRPr lang="it-CH" dirty="0"/>
           </a:p>
@@ -3115,70 +3124,87 @@
           <a:p>
             <a:r>
               <a:rPr lang="it-CH" dirty="0" smtClean="0"/>
-              <a:t>Parse file</a:t>
+              <a:t>Installazione</a:t>
             </a:r>
           </a:p>
           <a:p>
             <a:pPr lvl="1"/>
             <a:r>
-              <a:rPr lang="it-CH" dirty="0" smtClean="0"/>
-              <a:t>Risolto con </a:t>
-            </a:r>
-            <a:r>
               <a:rPr lang="it-CH" dirty="0" err="1" smtClean="0"/>
-              <a:t>parser</a:t>
-            </a:r>
-            <a:r>
-              <a:rPr lang="it-CH" dirty="0" smtClean="0"/>
-              <a:t> custom</a:t>
-            </a:r>
-          </a:p>
-          <a:p>
+              <a:t>Npm</a:t>
+            </a:r>
+            <a:r>
+              <a:rPr lang="it-CH" dirty="0" smtClean="0"/>
+              <a:t> </a:t>
+            </a:r>
+            <a:r>
+              <a:rPr lang="it-CH" dirty="0" err="1" smtClean="0"/>
+              <a:t>install</a:t>
+            </a:r>
+            <a:r>
+              <a:rPr lang="it-CH" dirty="0" smtClean="0"/>
+              <a:t> chart.js --</a:t>
+            </a:r>
+            <a:r>
+              <a:rPr lang="it-CH" dirty="0" err="1" smtClean="0"/>
+              <a:t>save</a:t>
+            </a:r>
             <a:endParaRPr lang="it-CH" dirty="0" smtClean="0"/>
           </a:p>
           <a:p>
-            <a:r>
-              <a:rPr lang="it-CH" dirty="0" smtClean="0"/>
-              <a:t>Colori variabili</a:t>
-            </a:r>
-          </a:p>
-          <a:p>
-            <a:pPr lvl="1"/>
-            <a:r>
-              <a:rPr lang="it-CH" dirty="0" smtClean="0"/>
-              <a:t>Risolto generando colori casuali</a:t>
-            </a:r>
-          </a:p>
-          <a:p>
-            <a:pPr marL="457200" lvl="1" indent="0">
-              <a:buNone/>
-            </a:pPr>
             <a:endParaRPr lang="it-CH" dirty="0"/>
           </a:p>
           <a:p>
-            <a:r>
-              <a:rPr lang="it-CH" dirty="0" smtClean="0"/>
-              <a:t>Richieste asincrone prima del plot</a:t>
-            </a:r>
-          </a:p>
-          <a:p>
-            <a:pPr lvl="1"/>
-            <a:r>
-              <a:rPr lang="it-CH" dirty="0" smtClean="0"/>
-              <a:t>Risolto con file </a:t>
-            </a:r>
-            <a:r>
-              <a:rPr lang="it-CH" dirty="0" err="1" smtClean="0"/>
-              <a:t>MyRequestsCompleted</a:t>
+            <a:endParaRPr lang="it-CH" dirty="0" smtClean="0"/>
+          </a:p>
+          <a:p>
+            <a:r>
+              <a:rPr lang="it-CH" dirty="0" smtClean="0"/>
+              <a:t>Utilizzo</a:t>
             </a:r>
             <a:endParaRPr lang="it-CH" dirty="0"/>
           </a:p>
         </p:txBody>
       </p:sp>
+      <p:pic>
+        <p:nvPicPr>
+          <p:cNvPr id="5" name="Immagine 4"/>
+          <p:cNvPicPr>
+            <a:picLocks noChangeAspect="1"/>
+          </p:cNvPicPr>
+          <p:nvPr/>
+        </p:nvPicPr>
+        <p:blipFill>
+          <a:blip r:embed="rId2">
+            <a:extLst>
+              <a:ext uri="{28A0092B-C50C-407E-A947-70E740481C1C}">
+                <a14:useLocalDpi xmlns:a14="http://schemas.microsoft.com/office/drawing/2010/main" val="0"/>
+              </a:ext>
+            </a:extLst>
+          </a:blip>
+          <a:stretch>
+            <a:fillRect/>
+          </a:stretch>
+        </p:blipFill>
+        <p:spPr>
+          <a:xfrm>
+            <a:off x="7321340" y="1391606"/>
+            <a:ext cx="4032460" cy="4785357"/>
+          </a:xfrm>
+          <a:prstGeom prst="rect">
+            <a:avLst/>
+          </a:prstGeom>
+          <a:ln>
+            <a:solidFill>
+              <a:schemeClr val="tx1"/>
+            </a:solidFill>
+          </a:ln>
+        </p:spPr>
+      </p:pic>
     </p:spTree>
     <p:extLst>
       <p:ext uri="{BB962C8B-B14F-4D97-AF65-F5344CB8AC3E}">
-        <p14:creationId xmlns:p14="http://schemas.microsoft.com/office/powerpoint/2010/main" val="3049137255"/>
+        <p14:creationId xmlns:p14="http://schemas.microsoft.com/office/powerpoint/2010/main" val="180552308"/>
       </p:ext>
     </p:extLst>
   </p:cSld>
@@ -3229,7 +3255,7 @@
           <a:p>
             <a:r>
               <a:rPr lang="it-CH" dirty="0" smtClean="0"/>
-              <a:t>Fonti</a:t>
+              <a:t>Problematiche</a:t>
             </a:r>
             <a:endParaRPr lang="it-CH" dirty="0"/>
           </a:p>
@@ -3251,50 +3277,69 @@
           <a:lstStyle/>
           <a:p>
             <a:r>
-              <a:rPr lang="it-CH" dirty="0">
-                <a:hlinkClick r:id="rId2"/>
-              </a:rPr>
-              <a:t>https://</a:t>
-            </a:r>
-            <a:r>
-              <a:rPr lang="it-CH" dirty="0" smtClean="0">
-                <a:hlinkClick r:id="rId2"/>
-              </a:rPr>
-              <a:t>www.kaggle.com/thec03u5/fifa-18-demo-player-dataset</a:t>
+              <a:rPr lang="it-CH" dirty="0" smtClean="0"/>
+              <a:t>Parse file</a:t>
+            </a:r>
+          </a:p>
+          <a:p>
+            <a:pPr lvl="1"/>
+            <a:r>
+              <a:rPr lang="it-CH" dirty="0" smtClean="0"/>
+              <a:t>Risolto con </a:t>
+            </a:r>
+            <a:r>
+              <a:rPr lang="it-CH" dirty="0" smtClean="0"/>
+              <a:t>custom </a:t>
+            </a:r>
+            <a:r>
+              <a:rPr lang="it-CH" dirty="0" err="1" smtClean="0"/>
+              <a:t>parser</a:t>
             </a:r>
             <a:endParaRPr lang="it-CH" dirty="0" smtClean="0"/>
           </a:p>
           <a:p>
-            <a:r>
-              <a:rPr lang="it-CH" dirty="0">
-                <a:hlinkClick r:id="rId3"/>
-              </a:rPr>
-              <a:t>http://www.chartjs.org</a:t>
-            </a:r>
-            <a:r>
-              <a:rPr lang="it-CH" dirty="0" smtClean="0">
-                <a:hlinkClick r:id="rId3"/>
-              </a:rPr>
-              <a:t>/</a:t>
-            </a:r>
+            <a:pPr lvl="1"/>
             <a:endParaRPr lang="it-CH" dirty="0" smtClean="0"/>
           </a:p>
           <a:p>
             <a:r>
-              <a:rPr lang="it-CH" dirty="0">
-                <a:hlinkClick r:id="rId4"/>
-              </a:rPr>
-              <a:t>https://</a:t>
-            </a:r>
-            <a:r>
-              <a:rPr lang="it-CH" dirty="0" smtClean="0">
-                <a:hlinkClick r:id="rId4"/>
-              </a:rPr>
-              <a:t>commons.apache.org/proper/commons-csv/apidocs/org/apache/commons/csv/CSVRecord.html</a:t>
-            </a:r>
-            <a:endParaRPr lang="it-CH" dirty="0" smtClean="0"/>
-          </a:p>
-          <a:p>
+              <a:rPr lang="it-CH" dirty="0" smtClean="0"/>
+              <a:t>Colori variabili</a:t>
+            </a:r>
+          </a:p>
+          <a:p>
+            <a:pPr lvl="1"/>
+            <a:r>
+              <a:rPr lang="it-CH" dirty="0" smtClean="0"/>
+              <a:t>Risolto generando colori casuali</a:t>
+            </a:r>
+          </a:p>
+          <a:p>
+            <a:pPr marL="457200" lvl="1" indent="0">
+              <a:buNone/>
+            </a:pPr>
+            <a:endParaRPr lang="it-CH" dirty="0"/>
+          </a:p>
+          <a:p>
+            <a:r>
+              <a:rPr lang="it-CH" dirty="0" smtClean="0"/>
+              <a:t>Richieste asincrone prima del plot</a:t>
+            </a:r>
+          </a:p>
+          <a:p>
+            <a:pPr lvl="1"/>
+            <a:r>
+              <a:rPr lang="it-CH" dirty="0" smtClean="0"/>
+              <a:t>Risolto con file </a:t>
+            </a:r>
+            <a:r>
+              <a:rPr lang="it-CH" dirty="0" err="1" smtClean="0"/>
+              <a:t>MyRequestsCompleted</a:t>
+            </a:r>
+            <a:r>
+              <a:rPr lang="it-CH" dirty="0" smtClean="0"/>
+              <a:t> e Ajax</a:t>
+            </a:r>
             <a:endParaRPr lang="it-CH" dirty="0"/>
           </a:p>
         </p:txBody>
@@ -3302,7 +3347,7 @@
     </p:spTree>
     <p:extLst>
       <p:ext uri="{BB962C8B-B14F-4D97-AF65-F5344CB8AC3E}">
-        <p14:creationId xmlns:p14="http://schemas.microsoft.com/office/powerpoint/2010/main" val="207876300"/>
+        <p14:creationId xmlns:p14="http://schemas.microsoft.com/office/powerpoint/2010/main" val="3049137255"/>
       </p:ext>
     </p:extLst>
   </p:cSld>
@@ -3351,6 +3396,130 @@
           <a:bodyPr/>
           <a:lstStyle/>
           <a:p>
+            <a:r>
+              <a:rPr lang="it-CH" dirty="0" smtClean="0"/>
+              <a:t>Fonti</a:t>
+            </a:r>
+            <a:endParaRPr lang="it-CH" dirty="0"/>
+          </a:p>
+        </p:txBody>
+      </p:sp>
+      <p:sp>
+        <p:nvSpPr>
+          <p:cNvPr id="3" name="Segnaposto contenuto 2"/>
+          <p:cNvSpPr>
+            <a:spLocks noGrp="1"/>
+          </p:cNvSpPr>
+          <p:nvPr>
+            <p:ph idx="1"/>
+          </p:nvPr>
+        </p:nvSpPr>
+        <p:spPr/>
+        <p:txBody>
+          <a:bodyPr/>
+          <a:lstStyle/>
+          <a:p>
+            <a:r>
+              <a:rPr lang="it-CH" dirty="0">
+                <a:hlinkClick r:id="rId2"/>
+              </a:rPr>
+              <a:t>https://</a:t>
+            </a:r>
+            <a:r>
+              <a:rPr lang="it-CH" dirty="0" smtClean="0">
+                <a:hlinkClick r:id="rId2"/>
+              </a:rPr>
+              <a:t>www.kaggle.com/thec03u5/fifa-18-demo-player-dataset</a:t>
+            </a:r>
+            <a:endParaRPr lang="it-CH" dirty="0" smtClean="0"/>
+          </a:p>
+          <a:p>
+            <a:r>
+              <a:rPr lang="it-CH" dirty="0">
+                <a:hlinkClick r:id="rId3"/>
+              </a:rPr>
+              <a:t>http://www.chartjs.org</a:t>
+            </a:r>
+            <a:r>
+              <a:rPr lang="it-CH" dirty="0" smtClean="0">
+                <a:hlinkClick r:id="rId3"/>
+              </a:rPr>
+              <a:t>/</a:t>
+            </a:r>
+            <a:endParaRPr lang="it-CH" dirty="0" smtClean="0"/>
+          </a:p>
+          <a:p>
+            <a:r>
+              <a:rPr lang="it-CH" dirty="0">
+                <a:hlinkClick r:id="rId4"/>
+              </a:rPr>
+              <a:t>https://</a:t>
+            </a:r>
+            <a:r>
+              <a:rPr lang="it-CH" dirty="0" smtClean="0">
+                <a:hlinkClick r:id="rId4"/>
+              </a:rPr>
+              <a:t>commons.apache.org/proper/commons-csv/apidocs/org/apache/commons/csv/CSVRecord.html</a:t>
+            </a:r>
+            <a:endParaRPr lang="it-CH" dirty="0" smtClean="0"/>
+          </a:p>
+          <a:p>
+            <a:endParaRPr lang="it-CH" dirty="0"/>
+          </a:p>
+        </p:txBody>
+      </p:sp>
+    </p:spTree>
+    <p:extLst>
+      <p:ext uri="{BB962C8B-B14F-4D97-AF65-F5344CB8AC3E}">
+        <p14:creationId xmlns:p14="http://schemas.microsoft.com/office/powerpoint/2010/main" val="207876300"/>
+      </p:ext>
+    </p:extLst>
+  </p:cSld>
+  <p:clrMapOvr>
+    <a:masterClrMapping/>
+  </p:clrMapOvr>
+  <p:timing>
+    <p:tnLst>
+      <p:par>
+        <p:cTn id="1" dur="indefinite" restart="never" nodeType="tmRoot"/>
+      </p:par>
+    </p:tnLst>
+  </p:timing>
+</p:sld>
+</file>
+
+<file path=ppt/slides/slide13.xml><?xml version="1.0" encoding="utf-8"?>
+<p:sld xmlns:a="http://schemas.openxmlformats.org/drawingml/2006/main" xmlns:r="http://schemas.openxmlformats.org/officeDocument/2006/relationships" xmlns:p="http://schemas.openxmlformats.org/presentationml/2006/main">
+  <p:cSld>
+    <p:spTree>
+      <p:nvGrpSpPr>
+        <p:cNvPr id="1" name=""/>
+        <p:cNvGrpSpPr/>
+        <p:nvPr/>
+      </p:nvGrpSpPr>
+      <p:grpSpPr>
+        <a:xfrm>
+          <a:off x="0" y="0"/>
+          <a:ext cx="0" cy="0"/>
+          <a:chOff x="0" y="0"/>
+          <a:chExt cx="0" cy="0"/>
+        </a:xfrm>
+      </p:grpSpPr>
+      <p:sp>
+        <p:nvSpPr>
+          <p:cNvPr id="2" name="Titolo 1"/>
+          <p:cNvSpPr>
+            <a:spLocks noGrp="1"/>
+          </p:cNvSpPr>
+          <p:nvPr>
+            <p:ph type="title"/>
+          </p:nvPr>
+        </p:nvSpPr>
+        <p:spPr/>
+        <p:txBody>
+          <a:bodyPr/>
+          <a:lstStyle/>
+          <a:p>
             <a:endParaRPr lang="it-CH"/>
           </a:p>
         </p:txBody>
@@ -3444,14 +3613,37 @@
           <a:p>
             <a:r>
               <a:rPr lang="it-CH" dirty="0" smtClean="0"/>
-              <a:t>Server - side</a:t>
-            </a:r>
-          </a:p>
-          <a:p>
-            <a:r>
-              <a:rPr lang="it-CH" dirty="0" smtClean="0"/>
-              <a:t>Client - side</a:t>
-            </a:r>
+              <a:t>Problematica iniziale</a:t>
+            </a:r>
+            <a:endParaRPr lang="it-CH" dirty="0" smtClean="0"/>
+          </a:p>
+          <a:p>
+            <a:pPr marL="0" indent="0">
+              <a:buNone/>
+            </a:pPr>
+            <a:endParaRPr lang="it-CH" dirty="0" smtClean="0"/>
+          </a:p>
+          <a:p>
+            <a:r>
+              <a:rPr lang="it-CH" dirty="0" smtClean="0"/>
+              <a:t>Server – side</a:t>
+            </a:r>
+          </a:p>
+          <a:p>
+            <a:endParaRPr lang="it-CH" dirty="0" smtClean="0"/>
+          </a:p>
+          <a:p>
+            <a:r>
+              <a:rPr lang="it-CH" dirty="0" smtClean="0"/>
+              <a:t>Client </a:t>
+            </a:r>
+            <a:r>
+              <a:rPr lang="it-CH" dirty="0" smtClean="0"/>
+              <a:t>– side</a:t>
+            </a:r>
+          </a:p>
+          <a:p>
+            <a:endParaRPr lang="it-CH" dirty="0" smtClean="0"/>
           </a:p>
           <a:p>
             <a:r>
@@ -3509,7 +3701,7 @@
           <a:p>
             <a:r>
               <a:rPr lang="it-CH" dirty="0" smtClean="0"/>
-              <a:t>Server – lettura file</a:t>
+              <a:t>Problematica iniziale</a:t>
             </a:r>
             <a:endParaRPr lang="it-CH" dirty="0"/>
           </a:p>
@@ -3532,91 +3724,95 @@
           <a:p>
             <a:r>
               <a:rPr lang="it-CH" dirty="0" smtClean="0"/>
-              <a:t>Libreria 						«</a:t>
-            </a:r>
-            <a:r>
-              <a:rPr lang="it-CH" dirty="0" err="1" smtClean="0"/>
-              <a:t>CSVRecord</a:t>
-            </a:r>
-            <a:r>
-              <a:rPr lang="it-CH" dirty="0" smtClean="0"/>
-              <a:t>»</a:t>
+              <a:t>Poter ricercare:</a:t>
             </a:r>
           </a:p>
           <a:p>
             <a:endParaRPr lang="it-CH" dirty="0" smtClean="0"/>
           </a:p>
           <a:p>
-            <a:r>
-              <a:rPr lang="it-CH" dirty="0" smtClean="0"/>
-              <a:t>File letto 1 volta	</a:t>
-            </a:r>
-          </a:p>
-          <a:p>
+            <a:pPr lvl="1"/>
+            <a:r>
+              <a:rPr lang="it-CH" dirty="0" smtClean="0"/>
+              <a:t>un giocatore dato il nome</a:t>
+            </a:r>
+          </a:p>
+          <a:p>
+            <a:pPr lvl="1"/>
+            <a:endParaRPr lang="it-CH" dirty="0" smtClean="0"/>
+          </a:p>
+          <a:p>
+            <a:pPr lvl="1"/>
+            <a:r>
+              <a:rPr lang="it-CH" dirty="0" smtClean="0"/>
+              <a:t>il corretto </a:t>
+            </a:r>
+            <a:r>
+              <a:rPr lang="it-CH" dirty="0" smtClean="0">
+                <a:solidFill>
+                  <a:srgbClr val="FF0000"/>
+                </a:solidFill>
+              </a:rPr>
+              <a:t>stipendio</a:t>
+            </a:r>
+            <a:r>
+              <a:rPr lang="it-CH" dirty="0" smtClean="0"/>
+              <a:t> di un giocatore</a:t>
+            </a:r>
+          </a:p>
+          <a:p>
+            <a:pPr lvl="1"/>
+            <a:endParaRPr lang="it-CH" dirty="0" smtClean="0"/>
+          </a:p>
+          <a:p>
+            <a:pPr lvl="1"/>
+            <a:r>
+              <a:rPr lang="it-CH" dirty="0" smtClean="0"/>
+              <a:t>Il corretto </a:t>
+            </a:r>
+            <a:r>
+              <a:rPr lang="it-CH" dirty="0" smtClean="0">
+                <a:solidFill>
+                  <a:srgbClr val="FF0000"/>
+                </a:solidFill>
+              </a:rPr>
+              <a:t>valore</a:t>
+            </a:r>
+            <a:r>
+              <a:rPr lang="it-CH" dirty="0" smtClean="0"/>
+              <a:t> di un giocatore</a:t>
+            </a:r>
+          </a:p>
+          <a:p>
+            <a:pPr lvl="1"/>
+            <a:endParaRPr lang="it-CH" dirty="0" smtClean="0"/>
+          </a:p>
+          <a:p>
+            <a:pPr lvl="1"/>
+            <a:r>
+              <a:rPr lang="it-CH" dirty="0" smtClean="0"/>
+              <a:t>le </a:t>
+            </a:r>
+            <a:r>
+              <a:rPr lang="it-CH" dirty="0" smtClean="0">
+                <a:solidFill>
+                  <a:srgbClr val="FF0000"/>
+                </a:solidFill>
+              </a:rPr>
+              <a:t>abilità</a:t>
+            </a:r>
+            <a:r>
+              <a:rPr lang="it-CH" dirty="0" smtClean="0"/>
+              <a:t> di un giocatore</a:t>
+            </a:r>
             <a:endParaRPr lang="it-CH" dirty="0"/>
           </a:p>
-          <a:p>
-            <a:endParaRPr lang="it-CH" dirty="0" smtClean="0"/>
-          </a:p>
-          <a:p>
-            <a:endParaRPr lang="it-CH" dirty="0" smtClean="0"/>
-          </a:p>
-          <a:p>
-            <a:r>
-              <a:rPr lang="it-CH" dirty="0" smtClean="0"/>
-              <a:t>17982 osservazioni</a:t>
-            </a:r>
-          </a:p>
-          <a:p>
-            <a:r>
-              <a:rPr lang="it-CH" dirty="0" smtClean="0"/>
-              <a:t>75 attributi per giocatore		</a:t>
-            </a:r>
-          </a:p>
-          <a:p>
-            <a:endParaRPr lang="it-CH" dirty="0"/>
-          </a:p>
-        </p:txBody>
-      </p:sp>
-      <p:pic>
-        <p:nvPicPr>
-          <p:cNvPr id="6" name="Immagine 5"/>
-          <p:cNvPicPr>
-            <a:picLocks noChangeAspect="1"/>
-          </p:cNvPicPr>
-          <p:nvPr/>
-        </p:nvPicPr>
-        <p:blipFill>
-          <a:blip r:embed="rId2">
-            <a:extLst>
-              <a:ext uri="{28A0092B-C50C-407E-A947-70E740481C1C}">
-                <a14:useLocalDpi xmlns:a14="http://schemas.microsoft.com/office/drawing/2010/main" val="0"/>
-              </a:ext>
-            </a:extLst>
-          </a:blip>
-          <a:stretch>
-            <a:fillRect/>
-          </a:stretch>
-        </p:blipFill>
-        <p:spPr>
-          <a:xfrm>
-            <a:off x="6294738" y="2604032"/>
-            <a:ext cx="5059062" cy="2612922"/>
-          </a:xfrm>
-          <a:prstGeom prst="rect">
-            <a:avLst/>
-          </a:prstGeom>
-          <a:ln>
-            <a:solidFill>
-              <a:schemeClr val="tx1"/>
-            </a:solidFill>
-          </a:ln>
-        </p:spPr>
-      </p:pic>
+        </p:txBody>
+      </p:sp>
     </p:spTree>
     <p:extLst>
       <p:ext uri="{BB962C8B-B14F-4D97-AF65-F5344CB8AC3E}">
-        <p14:creationId xmlns:p14="http://schemas.microsoft.com/office/powerpoint/2010/main" val="1146519955"/>
+        <p14:creationId xmlns:p14="http://schemas.microsoft.com/office/powerpoint/2010/main" val="572329630"/>
       </p:ext>
     </p:extLst>
   </p:cSld>
@@ -3627,134 +3823,6 @@
 </file>
 
 <file path=ppt/slides/slide4.xml><?xml version="1.0" encoding="utf-8"?>
-<p:sld xmlns:a="http://schemas.openxmlformats.org/drawingml/2006/main" xmlns:r="http://schemas.openxmlformats.org/officeDocument/2006/relationships" xmlns:p="http://schemas.openxmlformats.org/presentationml/2006/main">
-  <p:cSld>
-    <p:spTree>
-      <p:nvGrpSpPr>
-        <p:cNvPr id="1" name=""/>
-        <p:cNvGrpSpPr/>
-        <p:nvPr/>
-      </p:nvGrpSpPr>
-      <p:grpSpPr>
-        <a:xfrm>
-          <a:off x="0" y="0"/>
-          <a:ext cx="0" cy="0"/>
-          <a:chOff x="0" y="0"/>
-          <a:chExt cx="0" cy="0"/>
-        </a:xfrm>
-      </p:grpSpPr>
-      <p:sp>
-        <p:nvSpPr>
-          <p:cNvPr id="2" name="Titolo 1"/>
-          <p:cNvSpPr>
-            <a:spLocks noGrp="1"/>
-          </p:cNvSpPr>
-          <p:nvPr>
-            <p:ph type="title"/>
-          </p:nvPr>
-        </p:nvSpPr>
-        <p:spPr/>
-        <p:txBody>
-          <a:bodyPr/>
-          <a:lstStyle/>
-          <a:p>
-            <a:r>
-              <a:rPr lang="it-CH" dirty="0" smtClean="0"/>
-              <a:t>Server – attributi ricevuti</a:t>
-            </a:r>
-            <a:endParaRPr lang="it-CH" dirty="0"/>
-          </a:p>
-        </p:txBody>
-      </p:sp>
-      <p:sp>
-        <p:nvSpPr>
-          <p:cNvPr id="3" name="Segnaposto contenuto 2"/>
-          <p:cNvSpPr>
-            <a:spLocks noGrp="1"/>
-          </p:cNvSpPr>
-          <p:nvPr>
-            <p:ph idx="1"/>
-          </p:nvPr>
-        </p:nvSpPr>
-        <p:spPr/>
-        <p:txBody>
-          <a:bodyPr/>
-          <a:lstStyle/>
-          <a:p>
-            <a:r>
-              <a:rPr lang="it-CH" dirty="0" smtClean="0"/>
-              <a:t>Attributi mancanti 				«54,,,,59»</a:t>
-            </a:r>
-          </a:p>
-          <a:p>
-            <a:endParaRPr lang="it-CH" dirty="0" smtClean="0"/>
-          </a:p>
-          <a:p>
-            <a:r>
-              <a:rPr lang="it-CH" dirty="0" smtClean="0"/>
-              <a:t>Variazioni punteggio				«74+4, 65-3»</a:t>
-            </a:r>
-          </a:p>
-          <a:p>
-            <a:endParaRPr lang="it-CH" dirty="0" smtClean="0"/>
-          </a:p>
-          <a:p>
-            <a:r>
-              <a:rPr lang="it-CH" dirty="0" smtClean="0"/>
-              <a:t>Parse dei prezzi					«€27M</a:t>
-            </a:r>
-            <a:r>
-              <a:rPr lang="it-CH" dirty="0"/>
-              <a:t>, €70K, </a:t>
-            </a:r>
-            <a:r>
-              <a:rPr lang="it-CH" dirty="0" smtClean="0"/>
-              <a:t>£5000»</a:t>
-            </a:r>
-          </a:p>
-          <a:p>
-            <a:endParaRPr lang="it-CH" dirty="0" smtClean="0"/>
-          </a:p>
-          <a:p>
-            <a:r>
-              <a:rPr lang="it-CH" dirty="0" smtClean="0"/>
-              <a:t>Nuovi attributi</a:t>
-            </a:r>
-            <a:endParaRPr lang="it-CH" dirty="0"/>
-          </a:p>
-          <a:p>
-            <a:pPr lvl="1"/>
-            <a:r>
-              <a:rPr lang="it-CH" dirty="0" smtClean="0"/>
-              <a:t>Somma punti abilità per ogni giocatore</a:t>
-            </a:r>
-          </a:p>
-          <a:p>
-            <a:pPr lvl="1"/>
-            <a:r>
-              <a:rPr lang="it-CH" dirty="0" smtClean="0"/>
-              <a:t>Rapporto punti abilità su prezzo giocatore				</a:t>
-            </a:r>
-          </a:p>
-          <a:p>
-            <a:endParaRPr lang="it-CH" dirty="0"/>
-          </a:p>
-        </p:txBody>
-      </p:sp>
-    </p:spTree>
-    <p:extLst>
-      <p:ext uri="{BB962C8B-B14F-4D97-AF65-F5344CB8AC3E}">
-        <p14:creationId xmlns:p14="http://schemas.microsoft.com/office/powerpoint/2010/main" val="1329302581"/>
-      </p:ext>
-    </p:extLst>
-  </p:cSld>
-  <p:clrMapOvr>
-    <a:masterClrMapping/>
-  </p:clrMapOvr>
-</p:sld>
-</file>
-
-<file path=ppt/slides/slide5.xml><?xml version="1.0" encoding="utf-8"?>
 <p:sld xmlns:a="http://schemas.openxmlformats.org/drawingml/2006/main" xmlns:r="http://schemas.openxmlformats.org/officeDocument/2006/relationships" xmlns:p="http://schemas.openxmlformats.org/presentationml/2006/main">
   <p:cSld>
     <p:spTree>
@@ -4690,6 +4758,157 @@
 </p:sld>
 </file>
 
+<file path=ppt/slides/slide5.xml><?xml version="1.0" encoding="utf-8"?>
+<p:sld xmlns:a="http://schemas.openxmlformats.org/drawingml/2006/main" xmlns:r="http://schemas.openxmlformats.org/officeDocument/2006/relationships" xmlns:p="http://schemas.openxmlformats.org/presentationml/2006/main">
+  <p:cSld>
+    <p:spTree>
+      <p:nvGrpSpPr>
+        <p:cNvPr id="1" name=""/>
+        <p:cNvGrpSpPr/>
+        <p:nvPr/>
+      </p:nvGrpSpPr>
+      <p:grpSpPr>
+        <a:xfrm>
+          <a:off x="0" y="0"/>
+          <a:ext cx="0" cy="0"/>
+          <a:chOff x="0" y="0"/>
+          <a:chExt cx="0" cy="0"/>
+        </a:xfrm>
+      </p:grpSpPr>
+      <p:sp>
+        <p:nvSpPr>
+          <p:cNvPr id="2" name="Titolo 1"/>
+          <p:cNvSpPr>
+            <a:spLocks noGrp="1"/>
+          </p:cNvSpPr>
+          <p:nvPr>
+            <p:ph type="title"/>
+          </p:nvPr>
+        </p:nvSpPr>
+        <p:spPr/>
+        <p:txBody>
+          <a:bodyPr/>
+          <a:lstStyle/>
+          <a:p>
+            <a:r>
+              <a:rPr lang="it-CH" dirty="0" smtClean="0"/>
+              <a:t>Server – lettura file</a:t>
+            </a:r>
+            <a:endParaRPr lang="it-CH" dirty="0"/>
+          </a:p>
+        </p:txBody>
+      </p:sp>
+      <p:sp>
+        <p:nvSpPr>
+          <p:cNvPr id="3" name="Segnaposto contenuto 2"/>
+          <p:cNvSpPr>
+            <a:spLocks noGrp="1"/>
+          </p:cNvSpPr>
+          <p:nvPr>
+            <p:ph idx="1"/>
+          </p:nvPr>
+        </p:nvSpPr>
+        <p:spPr/>
+        <p:txBody>
+          <a:bodyPr/>
+          <a:lstStyle/>
+          <a:p>
+            <a:r>
+              <a:rPr lang="it-CH" dirty="0" smtClean="0"/>
+              <a:t>Libreria 						«</a:t>
+            </a:r>
+            <a:r>
+              <a:rPr lang="it-CH" dirty="0" err="1" smtClean="0"/>
+              <a:t>CSVRecord</a:t>
+            </a:r>
+            <a:r>
+              <a:rPr lang="it-CH" dirty="0" smtClean="0"/>
+              <a:t>»</a:t>
+            </a:r>
+          </a:p>
+          <a:p>
+            <a:endParaRPr lang="it-CH" dirty="0" smtClean="0"/>
+          </a:p>
+          <a:p>
+            <a:r>
+              <a:rPr lang="it-CH" dirty="0" smtClean="0"/>
+              <a:t>File letto 1 volta	</a:t>
+            </a:r>
+          </a:p>
+          <a:p>
+            <a:endParaRPr lang="it-CH" dirty="0"/>
+          </a:p>
+          <a:p>
+            <a:endParaRPr lang="it-CH" dirty="0" smtClean="0"/>
+          </a:p>
+          <a:p>
+            <a:endParaRPr lang="it-CH" dirty="0" smtClean="0"/>
+          </a:p>
+          <a:p>
+            <a:r>
+              <a:rPr lang="it-CH" dirty="0" smtClean="0"/>
+              <a:t>17982 osservazioni</a:t>
+            </a:r>
+          </a:p>
+          <a:p>
+            <a:r>
+              <a:rPr lang="it-CH" dirty="0" smtClean="0"/>
+              <a:t>75 attributi per giocatore		</a:t>
+            </a:r>
+          </a:p>
+          <a:p>
+            <a:endParaRPr lang="it-CH" dirty="0"/>
+          </a:p>
+        </p:txBody>
+      </p:sp>
+      <p:pic>
+        <p:nvPicPr>
+          <p:cNvPr id="6" name="Immagine 5"/>
+          <p:cNvPicPr>
+            <a:picLocks noChangeAspect="1"/>
+          </p:cNvPicPr>
+          <p:nvPr/>
+        </p:nvPicPr>
+        <p:blipFill>
+          <a:blip r:embed="rId2">
+            <a:extLst>
+              <a:ext uri="{28A0092B-C50C-407E-A947-70E740481C1C}">
+                <a14:useLocalDpi xmlns:a14="http://schemas.microsoft.com/office/drawing/2010/main" val="0"/>
+              </a:ext>
+            </a:extLst>
+          </a:blip>
+          <a:stretch>
+            <a:fillRect/>
+          </a:stretch>
+        </p:blipFill>
+        <p:spPr>
+          <a:xfrm>
+            <a:off x="6557318" y="2604032"/>
+            <a:ext cx="4796481" cy="2477303"/>
+          </a:xfrm>
+          <a:prstGeom prst="rect">
+            <a:avLst/>
+          </a:prstGeom>
+          <a:ln>
+            <a:solidFill>
+              <a:schemeClr val="tx1"/>
+            </a:solidFill>
+          </a:ln>
+        </p:spPr>
+      </p:pic>
+    </p:spTree>
+    <p:extLst>
+      <p:ext uri="{BB962C8B-B14F-4D97-AF65-F5344CB8AC3E}">
+        <p14:creationId xmlns:p14="http://schemas.microsoft.com/office/powerpoint/2010/main" val="1146519955"/>
+      </p:ext>
+    </p:extLst>
+  </p:cSld>
+  <p:clrMapOvr>
+    <a:masterClrMapping/>
+  </p:clrMapOvr>
+</p:sld>
+</file>
+
 <file path=ppt/slides/slide6.xml><?xml version="1.0" encoding="utf-8"?>
 <p:sld xmlns:a="http://schemas.openxmlformats.org/drawingml/2006/main" xmlns:r="http://schemas.openxmlformats.org/officeDocument/2006/relationships" xmlns:p="http://schemas.openxmlformats.org/presentationml/2006/main">
   <p:cSld>
@@ -4724,11 +4943,7 @@
           <a:p>
             <a:r>
               <a:rPr lang="it-CH" dirty="0" smtClean="0"/>
-              <a:t>Server - </a:t>
-            </a:r>
-            <a:r>
-              <a:rPr lang="it-CH" dirty="0" err="1" smtClean="0"/>
-              <a:t>endpoint</a:t>
+              <a:t>Server – attributi ricevuti</a:t>
             </a:r>
             <a:endParaRPr lang="it-CH" dirty="0"/>
           </a:p>
@@ -4746,80 +4961,65 @@
         </p:nvSpPr>
         <p:spPr/>
         <p:txBody>
-          <a:bodyPr>
-            <a:normAutofit fontScale="92500" lnSpcReduction="10000"/>
-          </a:bodyPr>
-          <a:lstStyle/>
-          <a:p>
-            <a:r>
-              <a:rPr lang="it-CH" dirty="0" smtClean="0"/>
-              <a:t>Offerta end-</a:t>
-            </a:r>
-            <a:r>
-              <a:rPr lang="it-CH" dirty="0" err="1" smtClean="0"/>
-              <a:t>point</a:t>
-            </a:r>
+          <a:bodyPr/>
+          <a:lstStyle/>
+          <a:p>
+            <a:r>
+              <a:rPr lang="it-CH" dirty="0" smtClean="0"/>
+              <a:t>Attributi mancanti 				«54,,,,59»</a:t>
+            </a:r>
+          </a:p>
+          <a:p>
             <a:endParaRPr lang="it-CH" dirty="0" smtClean="0"/>
           </a:p>
           <a:p>
+            <a:r>
+              <a:rPr lang="it-CH" dirty="0" smtClean="0"/>
+              <a:t>Variazioni punteggio				«74+4, 65-3»</a:t>
+            </a:r>
+          </a:p>
+          <a:p>
+            <a:endParaRPr lang="it-CH" dirty="0" smtClean="0"/>
+          </a:p>
+          <a:p>
+            <a:r>
+              <a:rPr lang="it-CH" dirty="0" smtClean="0"/>
+              <a:t>Parse dei prezzi					«€27M</a:t>
+            </a:r>
+            <a:r>
+              <a:rPr lang="it-CH" dirty="0"/>
+              <a:t>, €70K, </a:t>
+            </a:r>
+            <a:r>
+              <a:rPr lang="it-CH" dirty="0" smtClean="0"/>
+              <a:t>£5000»</a:t>
+            </a:r>
+          </a:p>
+          <a:p>
+            <a:endParaRPr lang="it-CH" dirty="0" smtClean="0"/>
+          </a:p>
+          <a:p>
+            <a:r>
+              <a:rPr lang="it-CH" dirty="0" smtClean="0"/>
+              <a:t>Nuovi attributi</a:t>
+            </a:r>
+            <a:endParaRPr lang="it-CH" dirty="0"/>
+          </a:p>
+          <a:p>
             <a:pPr lvl="1"/>
             <a:r>
               <a:rPr lang="it-CH" dirty="0" smtClean="0"/>
-              <a:t>Ricerca per nome</a:t>
+              <a:t>Somma punti abilità per ogni giocatore</a:t>
             </a:r>
           </a:p>
           <a:p>
             <a:pPr lvl="1"/>
             <a:r>
               <a:rPr lang="it-CH" dirty="0" smtClean="0"/>
-              <a:t>Ricerca per stipendio</a:t>
-            </a:r>
-          </a:p>
-          <a:p>
-            <a:pPr lvl="1"/>
-            <a:r>
-              <a:rPr lang="it-CH" dirty="0" smtClean="0"/>
-              <a:t>Ricerca per prezzo</a:t>
-            </a:r>
-          </a:p>
-          <a:p>
-            <a:pPr lvl="1"/>
-            <a:r>
-              <a:rPr lang="it-CH" dirty="0" smtClean="0"/>
-              <a:t>Ricerca per nazionalità</a:t>
-            </a:r>
-          </a:p>
-          <a:p>
-            <a:pPr lvl="1"/>
-            <a:r>
-              <a:rPr lang="it-CH" dirty="0" smtClean="0"/>
-              <a:t>Ricerca per ruolo</a:t>
-            </a:r>
-          </a:p>
-          <a:p>
-            <a:pPr lvl="1"/>
-            <a:r>
-              <a:rPr lang="it-CH" dirty="0" smtClean="0"/>
-              <a:t>Ricerca per miglior rapporto punti/prezzo</a:t>
-            </a:r>
-          </a:p>
-          <a:p>
-            <a:pPr lvl="1"/>
-            <a:endParaRPr lang="it-CH" dirty="0"/>
-          </a:p>
-          <a:p>
-            <a:pPr lvl="1"/>
-            <a:endParaRPr lang="it-CH" dirty="0" smtClean="0"/>
-          </a:p>
-          <a:p>
-            <a:pPr lvl="1"/>
-            <a:endParaRPr lang="it-CH" dirty="0"/>
-          </a:p>
-          <a:p>
-            <a:r>
-              <a:rPr lang="it-CH" dirty="0" smtClean="0"/>
-              <a:t>La maggior parte delle liste offerte ordinano i giocatori per somma dei punti totali, in questo modo in cima si trovano i giocatori più forti</a:t>
-            </a:r>
+              <a:t>Rapporto punti abilità su prezzo giocatore				</a:t>
+            </a:r>
+          </a:p>
+          <a:p>
             <a:endParaRPr lang="it-CH" dirty="0"/>
           </a:p>
         </p:txBody>
@@ -4827,7 +5027,7 @@
     </p:spTree>
     <p:extLst>
       <p:ext uri="{BB962C8B-B14F-4D97-AF65-F5344CB8AC3E}">
-        <p14:creationId xmlns:p14="http://schemas.microsoft.com/office/powerpoint/2010/main" val="1642784649"/>
+        <p14:creationId xmlns:p14="http://schemas.microsoft.com/office/powerpoint/2010/main" val="1329302581"/>
       </p:ext>
     </p:extLst>
   </p:cSld>
@@ -4871,11 +5071,15 @@
           <a:p>
             <a:r>
               <a:rPr lang="it-CH" dirty="0" smtClean="0"/>
-              <a:t>Client </a:t>
-            </a:r>
-            <a:r>
-              <a:rPr lang="it-CH" dirty="0" smtClean="0"/>
-              <a:t>– interrogazione e risposte</a:t>
+              <a:t>Server </a:t>
+            </a:r>
+            <a:r>
+              <a:rPr lang="it-CH" dirty="0" smtClean="0"/>
+              <a:t>– end </a:t>
+            </a:r>
+            <a:r>
+              <a:rPr lang="it-CH" dirty="0" err="1" smtClean="0"/>
+              <a:t>points</a:t>
             </a:r>
             <a:endParaRPr lang="it-CH" dirty="0"/>
           </a:p>
@@ -4893,50 +5097,110 @@
         </p:nvSpPr>
         <p:spPr/>
         <p:txBody>
-          <a:bodyPr/>
-          <a:lstStyle/>
-          <a:p>
-            <a:r>
-              <a:rPr lang="it-CH" dirty="0" smtClean="0"/>
-              <a:t>Interrogare </a:t>
-            </a:r>
-            <a:r>
-              <a:rPr lang="it-CH" dirty="0" smtClean="0"/>
-              <a:t>il </a:t>
-            </a:r>
-            <a:r>
-              <a:rPr lang="it-CH" dirty="0" smtClean="0"/>
-              <a:t>server (AJAX</a:t>
-            </a:r>
-            <a:r>
-              <a:rPr lang="it-CH" dirty="0" smtClean="0"/>
-              <a:t>)</a:t>
-            </a:r>
-          </a:p>
-          <a:p>
+          <a:bodyPr>
+            <a:normAutofit fontScale="92500" lnSpcReduction="10000"/>
+          </a:bodyPr>
+          <a:lstStyle/>
+          <a:p>
+            <a:r>
+              <a:rPr lang="it-CH" dirty="0" smtClean="0"/>
+              <a:t>Offerta </a:t>
+            </a:r>
+            <a:r>
+              <a:rPr lang="it-CH" dirty="0" smtClean="0"/>
+              <a:t>end </a:t>
+            </a:r>
+            <a:r>
+              <a:rPr lang="it-CH" dirty="0" err="1" smtClean="0"/>
+              <a:t>points</a:t>
+            </a:r>
+            <a:endParaRPr lang="it-CH" dirty="0" smtClean="0"/>
+          </a:p>
+          <a:p>
+            <a:pPr lvl="1"/>
+            <a:r>
+              <a:rPr lang="it-CH" dirty="0" smtClean="0"/>
+              <a:t>Ricerca per </a:t>
+            </a:r>
+            <a:r>
+              <a:rPr lang="it-CH" dirty="0" smtClean="0">
+                <a:solidFill>
+                  <a:srgbClr val="FF0000"/>
+                </a:solidFill>
+              </a:rPr>
+              <a:t>nome</a:t>
+            </a:r>
+          </a:p>
+          <a:p>
+            <a:pPr lvl="1"/>
+            <a:r>
+              <a:rPr lang="it-CH" dirty="0" smtClean="0"/>
+              <a:t>Ricerca per </a:t>
+            </a:r>
+            <a:r>
+              <a:rPr lang="it-CH" dirty="0" smtClean="0">
+                <a:solidFill>
+                  <a:srgbClr val="FF0000"/>
+                </a:solidFill>
+              </a:rPr>
+              <a:t>stipendio</a:t>
+            </a:r>
+          </a:p>
+          <a:p>
+            <a:pPr lvl="1"/>
+            <a:r>
+              <a:rPr lang="it-CH" dirty="0" smtClean="0"/>
+              <a:t>Ricerca per </a:t>
+            </a:r>
+            <a:r>
+              <a:rPr lang="it-CH" dirty="0" smtClean="0">
+                <a:solidFill>
+                  <a:srgbClr val="FF0000"/>
+                </a:solidFill>
+              </a:rPr>
+              <a:t>prezzo</a:t>
+            </a:r>
+          </a:p>
+          <a:p>
+            <a:pPr lvl="1"/>
+            <a:r>
+              <a:rPr lang="it-CH" dirty="0" smtClean="0"/>
+              <a:t>Ricerca per </a:t>
+            </a:r>
+            <a:r>
+              <a:rPr lang="it-CH" dirty="0" smtClean="0">
+                <a:solidFill>
+                  <a:srgbClr val="FF0000"/>
+                </a:solidFill>
+              </a:rPr>
+              <a:t>nazionalità</a:t>
+            </a:r>
+          </a:p>
+          <a:p>
+            <a:pPr lvl="1"/>
+            <a:r>
+              <a:rPr lang="it-CH" dirty="0" smtClean="0"/>
+              <a:t>Ricerca per </a:t>
+            </a:r>
+            <a:r>
+              <a:rPr lang="it-CH" dirty="0" smtClean="0">
+                <a:solidFill>
+                  <a:srgbClr val="FF0000"/>
+                </a:solidFill>
+              </a:rPr>
+              <a:t>ruolo</a:t>
+            </a:r>
+          </a:p>
+          <a:p>
+            <a:pPr lvl="1"/>
+            <a:r>
+              <a:rPr lang="it-CH" dirty="0" smtClean="0"/>
+              <a:t>Ricerca per miglior rapporto punti/prezzo</a:t>
+            </a:r>
+          </a:p>
+          <a:p>
+            <a:pPr lvl="1"/>
             <a:endParaRPr lang="it-CH" dirty="0"/>
-          </a:p>
-          <a:p>
-            <a:endParaRPr lang="it-CH" dirty="0" smtClean="0"/>
-          </a:p>
-          <a:p>
-            <a:endParaRPr lang="it-CH" dirty="0" smtClean="0"/>
-          </a:p>
-          <a:p>
-            <a:r>
-              <a:rPr lang="it-CH" dirty="0" smtClean="0"/>
-              <a:t>Risposte</a:t>
-            </a:r>
-          </a:p>
-          <a:p>
-            <a:endParaRPr lang="it-CH" dirty="0" smtClean="0"/>
-          </a:p>
-          <a:p>
-            <a:pPr lvl="1"/>
-            <a:r>
-              <a:rPr lang="it-CH" dirty="0" smtClean="0"/>
-              <a:t>Liste</a:t>
-            </a:r>
           </a:p>
           <a:p>
             <a:pPr lvl="1"/>
@@ -4944,11 +5208,125 @@
           </a:p>
           <a:p>
             <a:pPr lvl="1"/>
+            <a:endParaRPr lang="it-CH" dirty="0"/>
+          </a:p>
+          <a:p>
+            <a:r>
+              <a:rPr lang="it-CH" dirty="0" smtClean="0"/>
+              <a:t>La maggior parte delle liste offerte ordinano i giocatori per somma dei punti totali, in questo modo in cima si trovano i giocatori più forti</a:t>
+            </a:r>
+            <a:endParaRPr lang="it-CH" dirty="0"/>
+          </a:p>
+        </p:txBody>
+      </p:sp>
+    </p:spTree>
+    <p:extLst>
+      <p:ext uri="{BB962C8B-B14F-4D97-AF65-F5344CB8AC3E}">
+        <p14:creationId xmlns:p14="http://schemas.microsoft.com/office/powerpoint/2010/main" val="1642784649"/>
+      </p:ext>
+    </p:extLst>
+  </p:cSld>
+  <p:clrMapOvr>
+    <a:masterClrMapping/>
+  </p:clrMapOvr>
+</p:sld>
+</file>
+
+<file path=ppt/slides/slide8.xml><?xml version="1.0" encoding="utf-8"?>
+<p:sld xmlns:a="http://schemas.openxmlformats.org/drawingml/2006/main" xmlns:r="http://schemas.openxmlformats.org/officeDocument/2006/relationships" xmlns:p="http://schemas.openxmlformats.org/presentationml/2006/main">
+  <p:cSld>
+    <p:spTree>
+      <p:nvGrpSpPr>
+        <p:cNvPr id="1" name=""/>
+        <p:cNvGrpSpPr/>
+        <p:nvPr/>
+      </p:nvGrpSpPr>
+      <p:grpSpPr>
+        <a:xfrm>
+          <a:off x="0" y="0"/>
+          <a:ext cx="0" cy="0"/>
+          <a:chOff x="0" y="0"/>
+          <a:chExt cx="0" cy="0"/>
+        </a:xfrm>
+      </p:grpSpPr>
+      <p:sp>
+        <p:nvSpPr>
+          <p:cNvPr id="2" name="Titolo 1"/>
+          <p:cNvSpPr>
+            <a:spLocks noGrp="1"/>
+          </p:cNvSpPr>
+          <p:nvPr>
+            <p:ph type="title"/>
+          </p:nvPr>
+        </p:nvSpPr>
+        <p:spPr/>
+        <p:txBody>
+          <a:bodyPr/>
+          <a:lstStyle/>
+          <a:p>
+            <a:r>
+              <a:rPr lang="it-CH" dirty="0" smtClean="0"/>
+              <a:t>Client – interrogazione e risposte</a:t>
+            </a:r>
+            <a:endParaRPr lang="it-CH" dirty="0"/>
+          </a:p>
+        </p:txBody>
+      </p:sp>
+      <p:sp>
+        <p:nvSpPr>
+          <p:cNvPr id="3" name="Segnaposto contenuto 2"/>
+          <p:cNvSpPr>
+            <a:spLocks noGrp="1"/>
+          </p:cNvSpPr>
+          <p:nvPr>
+            <p:ph idx="1"/>
+          </p:nvPr>
+        </p:nvSpPr>
+        <p:spPr/>
+        <p:txBody>
+          <a:bodyPr/>
+          <a:lstStyle/>
+          <a:p>
+            <a:r>
+              <a:rPr lang="it-CH" dirty="0" smtClean="0"/>
+              <a:t>Interrogare il server (AJAX)</a:t>
+            </a:r>
+          </a:p>
+          <a:p>
+            <a:endParaRPr lang="it-CH" dirty="0"/>
+          </a:p>
+          <a:p>
+            <a:endParaRPr lang="it-CH" dirty="0" smtClean="0"/>
+          </a:p>
+          <a:p>
+            <a:endParaRPr lang="it-CH" dirty="0" smtClean="0"/>
+          </a:p>
+          <a:p>
+            <a:r>
+              <a:rPr lang="it-CH" dirty="0" smtClean="0"/>
+              <a:t>Risposte</a:t>
+            </a:r>
+          </a:p>
+          <a:p>
+            <a:endParaRPr lang="it-CH" dirty="0" smtClean="0"/>
+          </a:p>
+          <a:p>
+            <a:pPr lvl="1"/>
+            <a:r>
+              <a:rPr lang="it-CH" dirty="0" smtClean="0"/>
+              <a:t>Liste</a:t>
+            </a:r>
+          </a:p>
+          <a:p>
+            <a:pPr lvl="1"/>
+            <a:endParaRPr lang="it-CH" dirty="0" smtClean="0"/>
+          </a:p>
+          <a:p>
+            <a:pPr lvl="1"/>
             <a:r>
               <a:rPr lang="it-CH" dirty="0" smtClean="0"/>
               <a:t>Oggetti</a:t>
             </a:r>
-            <a:endParaRPr lang="it-CH" dirty="0" smtClean="0"/>
           </a:p>
         </p:txBody>
       </p:sp>
@@ -5419,7 +5797,7 @@
 </p:sld>
 </file>
 
-<file path=ppt/slides/slide8.xml><?xml version="1.0" encoding="utf-8"?>
+<file path=ppt/slides/slide9.xml><?xml version="1.0" encoding="utf-8"?>
 <p:sld xmlns:a="http://schemas.openxmlformats.org/drawingml/2006/main" xmlns:r="http://schemas.openxmlformats.org/officeDocument/2006/relationships" xmlns:p="http://schemas.openxmlformats.org/presentationml/2006/main">
   <p:cSld>
     <p:spTree>
@@ -5581,172 +5959,6 @@
     <p:extLst>
       <p:ext uri="{BB962C8B-B14F-4D97-AF65-F5344CB8AC3E}">
         <p14:creationId xmlns:p14="http://schemas.microsoft.com/office/powerpoint/2010/main" val="1093994289"/>
-      </p:ext>
-    </p:extLst>
-  </p:cSld>
-  <p:clrMapOvr>
-    <a:masterClrMapping/>
-  </p:clrMapOvr>
-  <p:timing>
-    <p:tnLst>
-      <p:par>
-        <p:cTn id="1" dur="indefinite" restart="never" nodeType="tmRoot"/>
-      </p:par>
-    </p:tnLst>
-  </p:timing>
-</p:sld>
-</file>
-
-<file path=ppt/slides/slide9.xml><?xml version="1.0" encoding="utf-8"?>
-<p:sld xmlns:a="http://schemas.openxmlformats.org/drawingml/2006/main" xmlns:r="http://schemas.openxmlformats.org/officeDocument/2006/relationships" xmlns:p="http://schemas.openxmlformats.org/presentationml/2006/main">
-  <p:cSld>
-    <p:spTree>
-      <p:nvGrpSpPr>
-        <p:cNvPr id="1" name=""/>
-        <p:cNvGrpSpPr/>
-        <p:nvPr/>
-      </p:nvGrpSpPr>
-      <p:grpSpPr>
-        <a:xfrm>
-          <a:off x="0" y="0"/>
-          <a:ext cx="0" cy="0"/>
-          <a:chOff x="0" y="0"/>
-          <a:chExt cx="0" cy="0"/>
-        </a:xfrm>
-      </p:grpSpPr>
-      <p:sp>
-        <p:nvSpPr>
-          <p:cNvPr id="2" name="Titolo 1"/>
-          <p:cNvSpPr>
-            <a:spLocks noGrp="1"/>
-          </p:cNvSpPr>
-          <p:nvPr>
-            <p:ph type="title"/>
-          </p:nvPr>
-        </p:nvSpPr>
-        <p:spPr/>
-        <p:txBody>
-          <a:bodyPr/>
-          <a:lstStyle/>
-          <a:p>
-            <a:r>
-              <a:rPr lang="it-CH" dirty="0" smtClean="0"/>
-              <a:t>Client </a:t>
-            </a:r>
-            <a:r>
-              <a:rPr lang="it-CH" dirty="0" smtClean="0"/>
-              <a:t>- </a:t>
-            </a:r>
-            <a:r>
-              <a:rPr lang="it-CH" dirty="0" err="1"/>
-              <a:t>C</a:t>
-            </a:r>
-            <a:r>
-              <a:rPr lang="it-CH" dirty="0" err="1" smtClean="0"/>
-              <a:t>hartJS</a:t>
-            </a:r>
-            <a:endParaRPr lang="it-CH" dirty="0"/>
-          </a:p>
-        </p:txBody>
-      </p:sp>
-      <p:sp>
-        <p:nvSpPr>
-          <p:cNvPr id="3" name="Segnaposto contenuto 2"/>
-          <p:cNvSpPr>
-            <a:spLocks noGrp="1"/>
-          </p:cNvSpPr>
-          <p:nvPr>
-            <p:ph idx="1"/>
-          </p:nvPr>
-        </p:nvSpPr>
-        <p:spPr/>
-        <p:txBody>
-          <a:bodyPr/>
-          <a:lstStyle/>
-          <a:p>
-            <a:r>
-              <a:rPr lang="it-CH" dirty="0" smtClean="0"/>
-              <a:t>Installazione</a:t>
-            </a:r>
-          </a:p>
-          <a:p>
-            <a:pPr lvl="1"/>
-            <a:r>
-              <a:rPr lang="it-CH" dirty="0" err="1" smtClean="0"/>
-              <a:t>Npm</a:t>
-            </a:r>
-            <a:r>
-              <a:rPr lang="it-CH" dirty="0" smtClean="0"/>
-              <a:t> </a:t>
-            </a:r>
-            <a:r>
-              <a:rPr lang="it-CH" dirty="0" err="1" smtClean="0"/>
-              <a:t>install</a:t>
-            </a:r>
-            <a:r>
-              <a:rPr lang="it-CH" dirty="0" smtClean="0"/>
-              <a:t> chart.js --</a:t>
-            </a:r>
-            <a:r>
-              <a:rPr lang="it-CH" dirty="0" err="1" smtClean="0"/>
-              <a:t>save</a:t>
-            </a:r>
-            <a:endParaRPr lang="it-CH" dirty="0" smtClean="0"/>
-          </a:p>
-          <a:p>
-            <a:endParaRPr lang="it-CH" dirty="0"/>
-          </a:p>
-          <a:p>
-            <a:endParaRPr lang="it-CH" dirty="0" smtClean="0"/>
-          </a:p>
-          <a:p>
-            <a:r>
-              <a:rPr lang="it-CH" dirty="0" smtClean="0"/>
-              <a:t>Utilizzo</a:t>
-            </a:r>
-            <a:endParaRPr lang="it-CH" dirty="0"/>
-          </a:p>
-        </p:txBody>
-      </p:sp>
-      <p:pic>
-        <p:nvPicPr>
-          <p:cNvPr id="5" name="Immagine 4"/>
-          <p:cNvPicPr>
-            <a:picLocks noChangeAspect="1"/>
-          </p:cNvPicPr>
-          <p:nvPr/>
-        </p:nvPicPr>
-        <p:blipFill>
-          <a:blip r:embed="rId2">
-            <a:extLst>
-              <a:ext uri="{28A0092B-C50C-407E-A947-70E740481C1C}">
-                <a14:useLocalDpi xmlns:a14="http://schemas.microsoft.com/office/drawing/2010/main" val="0"/>
-              </a:ext>
-            </a:extLst>
-          </a:blip>
-          <a:stretch>
-            <a:fillRect/>
-          </a:stretch>
-        </p:blipFill>
-        <p:spPr>
-          <a:xfrm>
-            <a:off x="7321340" y="1391606"/>
-            <a:ext cx="4032460" cy="4785357"/>
-          </a:xfrm>
-          <a:prstGeom prst="rect">
-            <a:avLst/>
-          </a:prstGeom>
-          <a:ln>
-            <a:solidFill>
-              <a:schemeClr val="tx1"/>
-            </a:solidFill>
-          </a:ln>
-        </p:spPr>
-      </p:pic>
-    </p:spTree>
-    <p:extLst>
-      <p:ext uri="{BB962C8B-B14F-4D97-AF65-F5344CB8AC3E}">
-        <p14:creationId xmlns:p14="http://schemas.microsoft.com/office/powerpoint/2010/main" val="180552308"/>
       </p:ext>
     </p:extLst>
   </p:cSld>

--- a/Applicazioni_Service_Oriented.pptx
+++ b/Applicazioni_Service_Oriented.pptx
@@ -266,7 +266,7 @@
           <a:p>
             <a:fld id="{D86C9886-AEEA-47B5-B068-6C2782B32699}" type="datetimeFigureOut">
               <a:rPr lang="it-CH" smtClean="0"/>
-              <a:t>02.05.2018</a:t>
+              <a:t>03.05.2018</a:t>
             </a:fld>
             <a:endParaRPr lang="it-CH"/>
           </a:p>
@@ -436,7 +436,7 @@
           <a:p>
             <a:fld id="{D86C9886-AEEA-47B5-B068-6C2782B32699}" type="datetimeFigureOut">
               <a:rPr lang="it-CH" smtClean="0"/>
-              <a:t>02.05.2018</a:t>
+              <a:t>03.05.2018</a:t>
             </a:fld>
             <a:endParaRPr lang="it-CH"/>
           </a:p>
@@ -616,7 +616,7 @@
           <a:p>
             <a:fld id="{D86C9886-AEEA-47B5-B068-6C2782B32699}" type="datetimeFigureOut">
               <a:rPr lang="it-CH" smtClean="0"/>
-              <a:t>02.05.2018</a:t>
+              <a:t>03.05.2018</a:t>
             </a:fld>
             <a:endParaRPr lang="it-CH"/>
           </a:p>
@@ -786,7 +786,7 @@
           <a:p>
             <a:fld id="{D86C9886-AEEA-47B5-B068-6C2782B32699}" type="datetimeFigureOut">
               <a:rPr lang="it-CH" smtClean="0"/>
-              <a:t>02.05.2018</a:t>
+              <a:t>03.05.2018</a:t>
             </a:fld>
             <a:endParaRPr lang="it-CH"/>
           </a:p>
@@ -1032,7 +1032,7 @@
           <a:p>
             <a:fld id="{D86C9886-AEEA-47B5-B068-6C2782B32699}" type="datetimeFigureOut">
               <a:rPr lang="it-CH" smtClean="0"/>
-              <a:t>02.05.2018</a:t>
+              <a:t>03.05.2018</a:t>
             </a:fld>
             <a:endParaRPr lang="it-CH"/>
           </a:p>
@@ -1264,7 +1264,7 @@
           <a:p>
             <a:fld id="{D86C9886-AEEA-47B5-B068-6C2782B32699}" type="datetimeFigureOut">
               <a:rPr lang="it-CH" smtClean="0"/>
-              <a:t>02.05.2018</a:t>
+              <a:t>03.05.2018</a:t>
             </a:fld>
             <a:endParaRPr lang="it-CH"/>
           </a:p>
@@ -1631,7 +1631,7 @@
           <a:p>
             <a:fld id="{D86C9886-AEEA-47B5-B068-6C2782B32699}" type="datetimeFigureOut">
               <a:rPr lang="it-CH" smtClean="0"/>
-              <a:t>02.05.2018</a:t>
+              <a:t>03.05.2018</a:t>
             </a:fld>
             <a:endParaRPr lang="it-CH"/>
           </a:p>
@@ -1749,7 +1749,7 @@
           <a:p>
             <a:fld id="{D86C9886-AEEA-47B5-B068-6C2782B32699}" type="datetimeFigureOut">
               <a:rPr lang="it-CH" smtClean="0"/>
-              <a:t>02.05.2018</a:t>
+              <a:t>03.05.2018</a:t>
             </a:fld>
             <a:endParaRPr lang="it-CH"/>
           </a:p>
@@ -1844,7 +1844,7 @@
           <a:p>
             <a:fld id="{D86C9886-AEEA-47B5-B068-6C2782B32699}" type="datetimeFigureOut">
               <a:rPr lang="it-CH" smtClean="0"/>
-              <a:t>02.05.2018</a:t>
+              <a:t>03.05.2018</a:t>
             </a:fld>
             <a:endParaRPr lang="it-CH"/>
           </a:p>
@@ -2121,7 +2121,7 @@
           <a:p>
             <a:fld id="{D86C9886-AEEA-47B5-B068-6C2782B32699}" type="datetimeFigureOut">
               <a:rPr lang="it-CH" smtClean="0"/>
-              <a:t>02.05.2018</a:t>
+              <a:t>03.05.2018</a:t>
             </a:fld>
             <a:endParaRPr lang="it-CH"/>
           </a:p>
@@ -2374,7 +2374,7 @@
           <a:p>
             <a:fld id="{D86C9886-AEEA-47B5-B068-6C2782B32699}" type="datetimeFigureOut">
               <a:rPr lang="it-CH" smtClean="0"/>
-              <a:t>02.05.2018</a:t>
+              <a:t>03.05.2018</a:t>
             </a:fld>
             <a:endParaRPr lang="it-CH"/>
           </a:p>
@@ -2587,7 +2587,7 @@
           <a:p>
             <a:fld id="{D86C9886-AEEA-47B5-B068-6C2782B32699}" type="datetimeFigureOut">
               <a:rPr lang="it-CH" smtClean="0"/>
-              <a:t>02.05.2018</a:t>
+              <a:t>03.05.2018</a:t>
             </a:fld>
             <a:endParaRPr lang="it-CH"/>
           </a:p>
@@ -3285,11 +3285,7 @@
             <a:pPr lvl="1"/>
             <a:r>
               <a:rPr lang="it-CH" dirty="0" smtClean="0"/>
-              <a:t>Risolto con </a:t>
-            </a:r>
-            <a:r>
-              <a:rPr lang="it-CH" dirty="0" smtClean="0"/>
-              <a:t>custom </a:t>
+              <a:t>Risolto con custom </a:t>
             </a:r>
             <a:r>
               <a:rPr lang="it-CH" dirty="0" err="1" smtClean="0"/>
@@ -3615,7 +3611,6 @@
               <a:rPr lang="it-CH" dirty="0" smtClean="0"/>
               <a:t>Problematica iniziale</a:t>
             </a:r>
-            <a:endParaRPr lang="it-CH" dirty="0" smtClean="0"/>
           </a:p>
           <a:p>
             <a:pPr marL="0" indent="0">
@@ -3635,11 +3630,7 @@
           <a:p>
             <a:r>
               <a:rPr lang="it-CH" dirty="0" smtClean="0"/>
-              <a:t>Client </a:t>
-            </a:r>
-            <a:r>
-              <a:rPr lang="it-CH" dirty="0" smtClean="0"/>
-              <a:t>– side</a:t>
+              <a:t>Client – side</a:t>
             </a:r>
           </a:p>
           <a:p>
@@ -5071,11 +5062,7 @@
           <a:p>
             <a:r>
               <a:rPr lang="it-CH" dirty="0" smtClean="0"/>
-              <a:t>Server </a:t>
-            </a:r>
-            <a:r>
-              <a:rPr lang="it-CH" dirty="0" smtClean="0"/>
-              <a:t>– end </a:t>
+              <a:t>Server – end </a:t>
             </a:r>
             <a:r>
               <a:rPr lang="it-CH" dirty="0" err="1" smtClean="0"/>
@@ -5104,15 +5091,15 @@
           <a:p>
             <a:r>
               <a:rPr lang="it-CH" dirty="0" smtClean="0"/>
-              <a:t>Offerta </a:t>
-            </a:r>
-            <a:r>
-              <a:rPr lang="it-CH" dirty="0" smtClean="0"/>
-              <a:t>end </a:t>
+              <a:t>Offerta end </a:t>
             </a:r>
             <a:r>
               <a:rPr lang="it-CH" dirty="0" err="1" smtClean="0"/>
               <a:t>points</a:t>
+            </a:r>
+            <a:r>
+              <a:rPr lang="it-CH" dirty="0" smtClean="0"/>
+              <a:t> (vedi README.md)</a:t>
             </a:r>
             <a:endParaRPr lang="it-CH" dirty="0" smtClean="0"/>
           </a:p>
